--- a/Linux 1x1.pptx
+++ b/Linux 1x1.pptx
@@ -4183,7 +4183,28 @@
           <a:bodyPr/>
           <a:lstStyle/>
           <a:p>
-            <a:endParaRPr lang="de-DE" dirty="0"/>
+            <a:r>
+              <a:rPr lang="de-DE" dirty="0"/>
+              <a:t>User erstellen</a:t>
+            </a:r>
+          </a:p>
+          <a:p>
+            <a:r>
+              <a:rPr lang="de-DE" dirty="0"/>
+              <a:t>Passworte vergeben</a:t>
+            </a:r>
+          </a:p>
+          <a:p>
+            <a:r>
+              <a:rPr lang="de-DE" dirty="0"/>
+              <a:t>SSH Stoppen!</a:t>
+            </a:r>
+          </a:p>
+          <a:p>
+            <a:r>
+              <a:rPr lang="de-DE" dirty="0"/>
+              <a:t>Profile (PS1 PS2 und Alias)</a:t>
+            </a:r>
           </a:p>
         </p:txBody>
       </p:sp>
@@ -4263,13 +4284,183 @@
         </p:nvSpPr>
         <p:spPr/>
         <p:txBody>
-          <a:bodyPr/>
+          <a:bodyPr>
+            <a:normAutofit fontScale="40000" lnSpcReduction="20000"/>
+          </a:bodyPr>
           <a:lstStyle/>
           <a:p>
             <a:pPr marL="0" indent="0">
               <a:buNone/>
             </a:pPr>
-            <a:endParaRPr lang="de-DE" dirty="0"/>
+            <a:r>
+              <a:rPr lang="de-DE" dirty="0" err="1"/>
+              <a:t>apt</a:t>
+            </a:r>
+            <a:r>
+              <a:rPr lang="de-DE" dirty="0"/>
+              <a:t>		-	Verwaltung von Installierter Software	</a:t>
+            </a:r>
+          </a:p>
+          <a:p>
+            <a:pPr marL="0" indent="0">
+              <a:buNone/>
+            </a:pPr>
+            <a:r>
+              <a:rPr lang="de-DE" dirty="0" err="1"/>
+              <a:t>cat</a:t>
+            </a:r>
+            <a:r>
+              <a:rPr lang="de-DE" dirty="0"/>
+              <a:t>		-	Inhalt einer Datei Ausgeben</a:t>
+            </a:r>
+          </a:p>
+          <a:p>
+            <a:pPr marL="0" indent="0">
+              <a:buNone/>
+            </a:pPr>
+            <a:r>
+              <a:rPr lang="de-DE" dirty="0"/>
+              <a:t>cd		-	Verzeichnis wechseln</a:t>
+            </a:r>
+          </a:p>
+          <a:p>
+            <a:pPr marL="0" indent="0">
+              <a:buNone/>
+            </a:pPr>
+            <a:r>
+              <a:rPr lang="de-DE" dirty="0" err="1"/>
+              <a:t>chmod</a:t>
+            </a:r>
+            <a:r>
+              <a:rPr lang="de-DE" dirty="0"/>
+              <a:t>		-	Tool zum verwalten von Datei Berechtigungen (Zugriff)</a:t>
+            </a:r>
+          </a:p>
+          <a:p>
+            <a:pPr marL="0" indent="0">
+              <a:buNone/>
+            </a:pPr>
+            <a:r>
+              <a:rPr lang="de-DE" dirty="0" err="1"/>
+              <a:t>chown</a:t>
+            </a:r>
+            <a:r>
+              <a:rPr lang="de-DE" dirty="0"/>
+              <a:t>		-	Tool zum verwalten von Datei Berechtigungen (Nutzer)</a:t>
+            </a:r>
+          </a:p>
+          <a:p>
+            <a:pPr marL="0" indent="0">
+              <a:buNone/>
+            </a:pPr>
+            <a:r>
+              <a:rPr lang="de-DE" dirty="0" err="1"/>
+              <a:t>cp</a:t>
+            </a:r>
+            <a:r>
+              <a:rPr lang="de-DE" dirty="0"/>
+              <a:t>		-	Dateien kopieren</a:t>
+            </a:r>
+          </a:p>
+          <a:p>
+            <a:pPr marL="0" indent="0">
+              <a:buNone/>
+            </a:pPr>
+            <a:r>
+              <a:rPr lang="de-DE" dirty="0"/>
+              <a:t>echo		-	Schreibt etwas in die </a:t>
+            </a:r>
+            <a:r>
+              <a:rPr lang="de-DE" dirty="0" err="1"/>
+              <a:t>Komandozeile</a:t>
+            </a:r>
+            <a:r>
+              <a:rPr lang="de-DE" dirty="0"/>
+              <a:t> (Print)</a:t>
+            </a:r>
+          </a:p>
+          <a:p>
+            <a:pPr marL="0" indent="0">
+              <a:buNone/>
+            </a:pPr>
+            <a:r>
+              <a:rPr lang="de-DE" dirty="0" err="1"/>
+              <a:t>ls</a:t>
+            </a:r>
+            <a:r>
+              <a:rPr lang="de-DE" dirty="0"/>
+              <a:t>		-	Datei Explorer</a:t>
+            </a:r>
+          </a:p>
+          <a:p>
+            <a:pPr marL="0" indent="0">
+              <a:buNone/>
+            </a:pPr>
+            <a:r>
+              <a:rPr lang="de-DE" dirty="0"/>
+              <a:t>man		-	Dokumentation zu so ziemlich allem</a:t>
+            </a:r>
+          </a:p>
+          <a:p>
+            <a:pPr marL="0" indent="0">
+              <a:buNone/>
+            </a:pPr>
+            <a:r>
+              <a:rPr lang="de-DE" dirty="0"/>
+              <a:t>mv		-	Dateien verschieben</a:t>
+            </a:r>
+          </a:p>
+          <a:p>
+            <a:pPr marL="0" indent="0">
+              <a:buNone/>
+            </a:pPr>
+            <a:r>
+              <a:rPr lang="de-DE" dirty="0" err="1"/>
+              <a:t>nano</a:t>
+            </a:r>
+            <a:r>
+              <a:rPr lang="de-DE" dirty="0"/>
+              <a:t>		-	Datei Editor</a:t>
+            </a:r>
+          </a:p>
+          <a:p>
+            <a:pPr marL="0" indent="0">
+              <a:buNone/>
+            </a:pPr>
+            <a:r>
+              <a:rPr lang="de-DE" dirty="0" err="1"/>
+              <a:t>rm</a:t>
+            </a:r>
+            <a:r>
+              <a:rPr lang="de-DE" dirty="0"/>
+              <a:t>		-	Dateien und Ordner löschen</a:t>
+            </a:r>
+          </a:p>
+          <a:p>
+            <a:pPr marL="0" indent="0">
+              <a:buNone/>
+            </a:pPr>
+            <a:r>
+              <a:rPr lang="de-DE" dirty="0" err="1"/>
+              <a:t>sudo</a:t>
+            </a:r>
+            <a:r>
+              <a:rPr lang="de-DE" dirty="0"/>
+              <a:t>		-	Befehl als root ausführen</a:t>
+            </a:r>
+          </a:p>
+          <a:p>
+            <a:pPr marL="0" indent="0">
+              <a:buNone/>
+            </a:pPr>
+            <a:r>
+              <a:rPr lang="de-DE" dirty="0" err="1"/>
+              <a:t>tree</a:t>
+            </a:r>
+            <a:r>
+              <a:rPr lang="de-DE" dirty="0"/>
+              <a:t>		-	Ordnerstruktur anzeigen</a:t>
+            </a:r>
           </a:p>
         </p:txBody>
       </p:sp>
@@ -6247,15 +6438,15 @@
 <file path=customXml/itemProps1.xml><?xml version="1.0" encoding="utf-8"?>
 <ds:datastoreItem xmlns:ds="http://schemas.openxmlformats.org/officeDocument/2006/customXml" ds:itemID="{04098515-0C12-46CF-BC7C-69B4A13CD5FA}">
   <ds:schemaRefs>
+    <ds:schemaRef ds:uri="http://purl.org/dc/elements/1.1/"/>
     <ds:schemaRef ds:uri="http://schemas.openxmlformats.org/package/2006/metadata/core-properties"/>
-    <ds:schemaRef ds:uri="http://www.w3.org/XML/1998/namespace"/>
+    <ds:schemaRef ds:uri="4873beb7-5857-4685-be1f-d57550cc96cc"/>
+    <ds:schemaRef ds:uri="http://schemas.microsoft.com/office/2006/documentManagement/types"/>
+    <ds:schemaRef ds:uri="http://purl.org/dc/terms/"/>
     <ds:schemaRef ds:uri="http://purl.org/dc/dcmitype/"/>
     <ds:schemaRef ds:uri="http://schemas.microsoft.com/office/2006/metadata/properties"/>
-    <ds:schemaRef ds:uri="http://purl.org/dc/elements/1.1/"/>
-    <ds:schemaRef ds:uri="http://schemas.microsoft.com/office/2006/documentManagement/types"/>
-    <ds:schemaRef ds:uri="http://purl.org/dc/terms/"/>
     <ds:schemaRef ds:uri="http://schemas.microsoft.com/office/infopath/2007/PartnerControls"/>
-    <ds:schemaRef ds:uri="4873beb7-5857-4685-be1f-d57550cc96cc"/>
+    <ds:schemaRef ds:uri="http://www.w3.org/XML/1998/namespace"/>
   </ds:schemaRefs>
 </ds:datastoreItem>
 </file>

--- a/Linux 1x1.pptx
+++ b/Linux 1x1.pptx
@@ -5,10 +5,10 @@
     <p:sldMasterId id="2147483648" r:id="rId4"/>
   </p:sldMasterIdLst>
   <p:notesMasterIdLst>
-    <p:notesMasterId r:id="rId10"/>
+    <p:notesMasterId r:id="rId18"/>
   </p:notesMasterIdLst>
   <p:handoutMasterIdLst>
-    <p:handoutMasterId r:id="rId11"/>
+    <p:handoutMasterId r:id="rId19"/>
   </p:handoutMasterIdLst>
   <p:sldIdLst>
     <p:sldId id="256" r:id="rId5"/>
@@ -16,6 +16,14 @@
     <p:sldId id="258" r:id="rId7"/>
     <p:sldId id="259" r:id="rId8"/>
     <p:sldId id="260" r:id="rId9"/>
+    <p:sldId id="265" r:id="rId10"/>
+    <p:sldId id="262" r:id="rId11"/>
+    <p:sldId id="266" r:id="rId12"/>
+    <p:sldId id="263" r:id="rId13"/>
+    <p:sldId id="267" r:id="rId14"/>
+    <p:sldId id="268" r:id="rId15"/>
+    <p:sldId id="264" r:id="rId16"/>
+    <p:sldId id="261" r:id="rId17"/>
   </p:sldIdLst>
   <p:sldSz cx="12192000" cy="6858000"/>
   <p:notesSz cx="6858000" cy="9144000"/>
@@ -115,6 +123,47 @@
     </a:lvl9pPr>
   </p:defaultTextStyle>
   <p:extLst>
+    <p:ext uri="{521415D9-36F7-43E2-AB2F-B90AF26B5E84}">
+      <p14:sectionLst xmlns:p14="http://schemas.microsoft.com/office/powerpoint/2010/main">
+        <p14:section name="Agenda" id="{0F10F781-AC8A-4E63-BC5B-5987C2316CE3}">
+          <p14:sldIdLst>
+            <p14:sldId id="256"/>
+            <p14:sldId id="257"/>
+          </p14:sldIdLst>
+        </p14:section>
+        <p14:section name="Tag 1" id="{ABA160DF-B9C4-4043-9201-3E9C7D30D275}">
+          <p14:sldIdLst>
+            <p14:sldId id="258"/>
+            <p14:sldId id="259"/>
+            <p14:sldId id="260"/>
+            <p14:sldId id="265"/>
+          </p14:sldIdLst>
+        </p14:section>
+        <p14:section name="Tag 2" id="{34D804F9-FC81-42A7-9FAA-7B60F8DA6FFD}">
+          <p14:sldIdLst>
+            <p14:sldId id="262"/>
+            <p14:sldId id="266"/>
+          </p14:sldIdLst>
+        </p14:section>
+        <p14:section name="Tag 3" id="{8EDE3A92-6A8A-46D8-969D-3F9589A15BB6}">
+          <p14:sldIdLst>
+            <p14:sldId id="263"/>
+            <p14:sldId id="267"/>
+            <p14:sldId id="268"/>
+          </p14:sldIdLst>
+        </p14:section>
+        <p14:section name="Tag 4" id="{8FE2665A-4D5D-4FA0-8B1A-7B96E1AA3A75}">
+          <p14:sldIdLst>
+            <p14:sldId id="264"/>
+          </p14:sldIdLst>
+        </p14:section>
+        <p14:section name="Tag 5" id="{DE1646EE-0BE3-4204-A0C0-6B3FF1360BA8}">
+          <p14:sldIdLst>
+            <p14:sldId id="261"/>
+          </p14:sldIdLst>
+        </p14:section>
+      </p14:sectionLst>
+    </p:ext>
     <p:ext uri="{EFAFB233-063F-42B5-8137-9DF3F51BA10A}">
       <p15:sldGuideLst xmlns:p15="http://schemas.microsoft.com/office/powerpoint/2012/main">
         <p15:guide id="1" pos="3840" userDrawn="1">
@@ -3839,31 +3888,6 @@
           </a:p>
         </p:txBody>
       </p:sp>
-      <p:sp>
-        <p:nvSpPr>
-          <p:cNvPr id="5" name="Untertitel 4">
-            <a:extLst>
-              <a:ext uri="{FF2B5EF4-FFF2-40B4-BE49-F238E27FC236}">
-                <a16:creationId xmlns:a16="http://schemas.microsoft.com/office/drawing/2014/main" id="{2516FC3E-8204-4D9C-9041-3DA9100B1522}"/>
-              </a:ext>
-            </a:extLst>
-          </p:cNvPr>
-          <p:cNvSpPr>
-            <a:spLocks noGrp="1"/>
-          </p:cNvSpPr>
-          <p:nvPr>
-            <p:ph type="subTitle" idx="1"/>
-          </p:nvPr>
-        </p:nvSpPr>
-        <p:spPr/>
-        <p:txBody>
-          <a:bodyPr/>
-          <a:lstStyle/>
-          <a:p>
-            <a:endParaRPr lang="de-DE"/>
-          </a:p>
-        </p:txBody>
-      </p:sp>
     </p:spTree>
     <p:extLst>
       <p:ext uri="{BB962C8B-B14F-4D97-AF65-F5344CB8AC3E}">
@@ -3886,6 +3910,429 @@
       </p:transition>
     </mc:Fallback>
   </mc:AlternateContent>
+</p:sld>
+</file>
+
+<file path=ppt/slides/slide10.xml><?xml version="1.0" encoding="utf-8"?>
+<p:sld xmlns:a="http://schemas.openxmlformats.org/drawingml/2006/main" xmlns:r="http://schemas.openxmlformats.org/officeDocument/2006/relationships" xmlns:p="http://schemas.openxmlformats.org/presentationml/2006/main">
+  <p:cSld>
+    <p:spTree>
+      <p:nvGrpSpPr>
+        <p:cNvPr id="1" name=""/>
+        <p:cNvGrpSpPr/>
+        <p:nvPr/>
+      </p:nvGrpSpPr>
+      <p:grpSpPr>
+        <a:xfrm>
+          <a:off x="0" y="0"/>
+          <a:ext cx="0" cy="0"/>
+          <a:chOff x="0" y="0"/>
+          <a:chExt cx="0" cy="0"/>
+        </a:xfrm>
+      </p:grpSpPr>
+      <p:sp>
+        <p:nvSpPr>
+          <p:cNvPr id="4" name="Titel 3">
+            <a:extLst>
+              <a:ext uri="{FF2B5EF4-FFF2-40B4-BE49-F238E27FC236}">
+                <a16:creationId xmlns:a16="http://schemas.microsoft.com/office/drawing/2014/main" id="{0A8743CF-9D52-4C26-A599-26A2D1731806}"/>
+              </a:ext>
+            </a:extLst>
+          </p:cNvPr>
+          <p:cNvSpPr>
+            <a:spLocks noGrp="1"/>
+          </p:cNvSpPr>
+          <p:nvPr>
+            <p:ph type="title"/>
+          </p:nvPr>
+        </p:nvSpPr>
+        <p:spPr/>
+        <p:txBody>
+          <a:bodyPr/>
+          <a:lstStyle/>
+          <a:p>
+            <a:r>
+              <a:rPr lang="de-DE" dirty="0" err="1"/>
+              <a:t>Vagrant</a:t>
+            </a:r>
+            <a:endParaRPr lang="de-DE" dirty="0"/>
+          </a:p>
+        </p:txBody>
+      </p:sp>
+      <p:sp>
+        <p:nvSpPr>
+          <p:cNvPr id="5" name="Inhaltsplatzhalter 4">
+            <a:extLst>
+              <a:ext uri="{FF2B5EF4-FFF2-40B4-BE49-F238E27FC236}">
+                <a16:creationId xmlns:a16="http://schemas.microsoft.com/office/drawing/2014/main" id="{14B6F469-8DEC-46AB-9E47-FEE5B1486BA6}"/>
+              </a:ext>
+            </a:extLst>
+          </p:cNvPr>
+          <p:cNvSpPr>
+            <a:spLocks noGrp="1"/>
+          </p:cNvSpPr>
+          <p:nvPr>
+            <p:ph idx="1"/>
+          </p:nvPr>
+        </p:nvSpPr>
+        <p:spPr/>
+        <p:txBody>
+          <a:bodyPr/>
+          <a:lstStyle/>
+          <a:p>
+            <a:r>
+              <a:rPr lang="de-DE" dirty="0"/>
+              <a:t>Supervisor für VirtualBox</a:t>
+            </a:r>
+          </a:p>
+          <a:p>
+            <a:r>
+              <a:rPr lang="de-DE" dirty="0"/>
+              <a:t>Konfiguriert im </a:t>
+            </a:r>
+            <a:r>
+              <a:rPr lang="de-DE" dirty="0" err="1"/>
+              <a:t>Vargantfile</a:t>
+            </a:r>
+            <a:endParaRPr lang="de-DE" dirty="0"/>
+          </a:p>
+          <a:p>
+            <a:r>
+              <a:rPr lang="de-DE" dirty="0" err="1"/>
+              <a:t>Vagrant</a:t>
+            </a:r>
+            <a:r>
+              <a:rPr lang="de-DE" dirty="0"/>
+              <a:t> </a:t>
+            </a:r>
+            <a:r>
+              <a:rPr lang="de-DE" dirty="0" err="1"/>
+              <a:t>up</a:t>
+            </a:r>
+            <a:r>
+              <a:rPr lang="de-DE" dirty="0"/>
+              <a:t> / halt</a:t>
+            </a:r>
+          </a:p>
+          <a:p>
+            <a:endParaRPr lang="de-DE" dirty="0"/>
+          </a:p>
+        </p:txBody>
+      </p:sp>
+    </p:spTree>
+    <p:extLst>
+      <p:ext uri="{BB962C8B-B14F-4D97-AF65-F5344CB8AC3E}">
+        <p14:creationId xmlns:p14="http://schemas.microsoft.com/office/powerpoint/2010/main" val="547404758"/>
+      </p:ext>
+    </p:extLst>
+  </p:cSld>
+  <p:clrMapOvr>
+    <a:masterClrMapping/>
+  </p:clrMapOvr>
+</p:sld>
+</file>
+
+<file path=ppt/slides/slide11.xml><?xml version="1.0" encoding="utf-8"?>
+<p:sld xmlns:a="http://schemas.openxmlformats.org/drawingml/2006/main" xmlns:r="http://schemas.openxmlformats.org/officeDocument/2006/relationships" xmlns:p="http://schemas.openxmlformats.org/presentationml/2006/main">
+  <p:cSld>
+    <p:spTree>
+      <p:nvGrpSpPr>
+        <p:cNvPr id="1" name=""/>
+        <p:cNvGrpSpPr/>
+        <p:nvPr/>
+      </p:nvGrpSpPr>
+      <p:grpSpPr>
+        <a:xfrm>
+          <a:off x="0" y="0"/>
+          <a:ext cx="0" cy="0"/>
+          <a:chOff x="0" y="0"/>
+          <a:chExt cx="0" cy="0"/>
+        </a:xfrm>
+      </p:grpSpPr>
+      <p:sp>
+        <p:nvSpPr>
+          <p:cNvPr id="2" name="Titel 1">
+            <a:extLst>
+              <a:ext uri="{FF2B5EF4-FFF2-40B4-BE49-F238E27FC236}">
+                <a16:creationId xmlns:a16="http://schemas.microsoft.com/office/drawing/2014/main" id="{7889E819-A5B8-4D39-9E5A-99B2C18BDF7E}"/>
+              </a:ext>
+            </a:extLst>
+          </p:cNvPr>
+          <p:cNvSpPr>
+            <a:spLocks noGrp="1"/>
+          </p:cNvSpPr>
+          <p:nvPr>
+            <p:ph type="title"/>
+          </p:nvPr>
+        </p:nvSpPr>
+        <p:spPr/>
+        <p:txBody>
+          <a:bodyPr/>
+          <a:lstStyle/>
+          <a:p>
+            <a:r>
+              <a:rPr lang="de-DE" dirty="0" err="1"/>
+              <a:t>Ansible</a:t>
+            </a:r>
+            <a:r>
+              <a:rPr lang="de-DE" dirty="0"/>
+              <a:t> </a:t>
+            </a:r>
+            <a:r>
+              <a:rPr lang="de-DE" dirty="0" err="1"/>
+              <a:t>Inventory</a:t>
+            </a:r>
+            <a:endParaRPr lang="de-DE" dirty="0"/>
+          </a:p>
+        </p:txBody>
+      </p:sp>
+      <p:sp>
+        <p:nvSpPr>
+          <p:cNvPr id="3" name="Inhaltsplatzhalter 2">
+            <a:extLst>
+              <a:ext uri="{FF2B5EF4-FFF2-40B4-BE49-F238E27FC236}">
+                <a16:creationId xmlns:a16="http://schemas.microsoft.com/office/drawing/2014/main" id="{2C0326DB-3DE1-4867-8F20-94654F869FAF}"/>
+              </a:ext>
+            </a:extLst>
+          </p:cNvPr>
+          <p:cNvSpPr>
+            <a:spLocks noGrp="1"/>
+          </p:cNvSpPr>
+          <p:nvPr>
+            <p:ph idx="1"/>
+          </p:nvPr>
+        </p:nvSpPr>
+        <p:spPr/>
+        <p:txBody>
+          <a:bodyPr/>
+          <a:lstStyle/>
+          <a:p>
+            <a:r>
+              <a:rPr lang="de-DE" dirty="0"/>
+              <a:t>Auflistung aller Maschinen und ihrer Eigenschaften</a:t>
+            </a:r>
+          </a:p>
+          <a:p>
+            <a:pPr lvl="1"/>
+            <a:r>
+              <a:rPr lang="de-DE" dirty="0"/>
+              <a:t>Name</a:t>
+            </a:r>
+          </a:p>
+          <a:p>
+            <a:pPr lvl="1"/>
+            <a:r>
+              <a:rPr lang="de-DE" dirty="0"/>
+              <a:t>Nutzer</a:t>
+            </a:r>
+          </a:p>
+          <a:p>
+            <a:pPr lvl="1"/>
+            <a:r>
+              <a:rPr lang="de-DE" dirty="0"/>
+              <a:t>IP-Adresse</a:t>
+            </a:r>
+          </a:p>
+          <a:p>
+            <a:r>
+              <a:rPr lang="de-DE" dirty="0"/>
+              <a:t>Erstellung von Gruppen</a:t>
+            </a:r>
+          </a:p>
+        </p:txBody>
+      </p:sp>
+    </p:spTree>
+    <p:extLst>
+      <p:ext uri="{BB962C8B-B14F-4D97-AF65-F5344CB8AC3E}">
+        <p14:creationId xmlns:p14="http://schemas.microsoft.com/office/powerpoint/2010/main" val="3073123904"/>
+      </p:ext>
+    </p:extLst>
+  </p:cSld>
+  <p:clrMapOvr>
+    <a:masterClrMapping/>
+  </p:clrMapOvr>
+</p:sld>
+</file>
+
+<file path=ppt/slides/slide12.xml><?xml version="1.0" encoding="utf-8"?>
+<p:sld xmlns:a="http://schemas.openxmlformats.org/drawingml/2006/main" xmlns:r="http://schemas.openxmlformats.org/officeDocument/2006/relationships" xmlns:p="http://schemas.openxmlformats.org/presentationml/2006/main">
+  <p:cSld>
+    <p:spTree>
+      <p:nvGrpSpPr>
+        <p:cNvPr id="1" name=""/>
+        <p:cNvGrpSpPr/>
+        <p:nvPr/>
+      </p:nvGrpSpPr>
+      <p:grpSpPr>
+        <a:xfrm>
+          <a:off x="0" y="0"/>
+          <a:ext cx="0" cy="0"/>
+          <a:chOff x="0" y="0"/>
+          <a:chExt cx="0" cy="0"/>
+        </a:xfrm>
+      </p:grpSpPr>
+      <p:sp>
+        <p:nvSpPr>
+          <p:cNvPr id="4" name="Titel 3">
+            <a:extLst>
+              <a:ext uri="{FF2B5EF4-FFF2-40B4-BE49-F238E27FC236}">
+                <a16:creationId xmlns:a16="http://schemas.microsoft.com/office/drawing/2014/main" id="{59827797-EA2F-4671-AA72-B76A0788D28F}"/>
+              </a:ext>
+            </a:extLst>
+          </p:cNvPr>
+          <p:cNvSpPr>
+            <a:spLocks noGrp="1"/>
+          </p:cNvSpPr>
+          <p:nvPr>
+            <p:ph type="title"/>
+          </p:nvPr>
+        </p:nvSpPr>
+        <p:spPr/>
+        <p:txBody>
+          <a:bodyPr/>
+          <a:lstStyle/>
+          <a:p>
+            <a:br>
+              <a:rPr lang="de-DE" dirty="0"/>
+            </a:br>
+            <a:r>
+              <a:rPr lang="de-DE" dirty="0"/>
+              <a:t>Tag 4</a:t>
+            </a:r>
+          </a:p>
+        </p:txBody>
+      </p:sp>
+      <p:sp>
+        <p:nvSpPr>
+          <p:cNvPr id="5" name="Textplatzhalter 4">
+            <a:extLst>
+              <a:ext uri="{FF2B5EF4-FFF2-40B4-BE49-F238E27FC236}">
+                <a16:creationId xmlns:a16="http://schemas.microsoft.com/office/drawing/2014/main" id="{D55F7649-281D-4D04-84B2-D5F355801783}"/>
+              </a:ext>
+            </a:extLst>
+          </p:cNvPr>
+          <p:cNvSpPr>
+            <a:spLocks noGrp="1"/>
+          </p:cNvSpPr>
+          <p:nvPr>
+            <p:ph type="body" idx="1"/>
+          </p:nvPr>
+        </p:nvSpPr>
+        <p:spPr/>
+        <p:txBody>
+          <a:bodyPr/>
+          <a:lstStyle/>
+          <a:p>
+            <a:r>
+              <a:rPr lang="de-DE" dirty="0" err="1"/>
+              <a:t>Ansible</a:t>
+            </a:r>
+            <a:r>
+              <a:rPr lang="de-DE" dirty="0"/>
+              <a:t> Part 2</a:t>
+            </a:r>
+          </a:p>
+        </p:txBody>
+      </p:sp>
+    </p:spTree>
+    <p:extLst>
+      <p:ext uri="{BB962C8B-B14F-4D97-AF65-F5344CB8AC3E}">
+        <p14:creationId xmlns:p14="http://schemas.microsoft.com/office/powerpoint/2010/main" val="4018322704"/>
+      </p:ext>
+    </p:extLst>
+  </p:cSld>
+  <p:clrMapOvr>
+    <a:masterClrMapping/>
+  </p:clrMapOvr>
+</p:sld>
+</file>
+
+<file path=ppt/slides/slide13.xml><?xml version="1.0" encoding="utf-8"?>
+<p:sld xmlns:a="http://schemas.openxmlformats.org/drawingml/2006/main" xmlns:r="http://schemas.openxmlformats.org/officeDocument/2006/relationships" xmlns:p="http://schemas.openxmlformats.org/presentationml/2006/main">
+  <p:cSld>
+    <p:spTree>
+      <p:nvGrpSpPr>
+        <p:cNvPr id="1" name=""/>
+        <p:cNvGrpSpPr/>
+        <p:nvPr/>
+      </p:nvGrpSpPr>
+      <p:grpSpPr>
+        <a:xfrm>
+          <a:off x="0" y="0"/>
+          <a:ext cx="0" cy="0"/>
+          <a:chOff x="0" y="0"/>
+          <a:chExt cx="0" cy="0"/>
+        </a:xfrm>
+      </p:grpSpPr>
+      <p:sp>
+        <p:nvSpPr>
+          <p:cNvPr id="4" name="Titel 3">
+            <a:extLst>
+              <a:ext uri="{FF2B5EF4-FFF2-40B4-BE49-F238E27FC236}">
+                <a16:creationId xmlns:a16="http://schemas.microsoft.com/office/drawing/2014/main" id="{59827797-EA2F-4671-AA72-B76A0788D28F}"/>
+              </a:ext>
+            </a:extLst>
+          </p:cNvPr>
+          <p:cNvSpPr>
+            <a:spLocks noGrp="1"/>
+          </p:cNvSpPr>
+          <p:nvPr>
+            <p:ph type="title"/>
+          </p:nvPr>
+        </p:nvSpPr>
+        <p:spPr/>
+        <p:txBody>
+          <a:bodyPr/>
+          <a:lstStyle/>
+          <a:p>
+            <a:br>
+              <a:rPr lang="de-DE" dirty="0"/>
+            </a:br>
+            <a:r>
+              <a:rPr lang="de-DE" dirty="0"/>
+              <a:t>Tag 5</a:t>
+            </a:r>
+          </a:p>
+        </p:txBody>
+      </p:sp>
+      <p:sp>
+        <p:nvSpPr>
+          <p:cNvPr id="5" name="Textplatzhalter 4">
+            <a:extLst>
+              <a:ext uri="{FF2B5EF4-FFF2-40B4-BE49-F238E27FC236}">
+                <a16:creationId xmlns:a16="http://schemas.microsoft.com/office/drawing/2014/main" id="{D55F7649-281D-4D04-84B2-D5F355801783}"/>
+              </a:ext>
+            </a:extLst>
+          </p:cNvPr>
+          <p:cNvSpPr>
+            <a:spLocks noGrp="1"/>
+          </p:cNvSpPr>
+          <p:nvPr>
+            <p:ph type="body" idx="1"/>
+          </p:nvPr>
+        </p:nvSpPr>
+        <p:spPr/>
+        <p:txBody>
+          <a:bodyPr/>
+          <a:lstStyle/>
+          <a:p>
+            <a:r>
+              <a:rPr lang="de-DE" dirty="0"/>
+              <a:t>Python</a:t>
+            </a:r>
+          </a:p>
+        </p:txBody>
+      </p:sp>
+    </p:spTree>
+    <p:extLst>
+      <p:ext uri="{BB962C8B-B14F-4D97-AF65-F5344CB8AC3E}">
+        <p14:creationId xmlns:p14="http://schemas.microsoft.com/office/powerpoint/2010/main" val="179230394"/>
+      </p:ext>
+    </p:extLst>
+  </p:cSld>
+  <p:clrMapOvr>
+    <a:masterClrMapping/>
+  </p:clrMapOvr>
 </p:sld>
 </file>
 
@@ -4468,6 +4915,866 @@
     <p:extLst>
       <p:ext uri="{BB962C8B-B14F-4D97-AF65-F5344CB8AC3E}">
         <p14:creationId xmlns:p14="http://schemas.microsoft.com/office/powerpoint/2010/main" val="3026009767"/>
+      </p:ext>
+    </p:extLst>
+  </p:cSld>
+  <p:clrMapOvr>
+    <a:masterClrMapping/>
+  </p:clrMapOvr>
+</p:sld>
+</file>
+
+<file path=ppt/slides/slide6.xml><?xml version="1.0" encoding="utf-8"?>
+<p:sld xmlns:a="http://schemas.openxmlformats.org/drawingml/2006/main" xmlns:r="http://schemas.openxmlformats.org/officeDocument/2006/relationships" xmlns:p="http://schemas.openxmlformats.org/presentationml/2006/main">
+  <p:cSld>
+    <p:spTree>
+      <p:nvGrpSpPr>
+        <p:cNvPr id="1" name=""/>
+        <p:cNvGrpSpPr/>
+        <p:nvPr/>
+      </p:nvGrpSpPr>
+      <p:grpSpPr>
+        <a:xfrm>
+          <a:off x="0" y="0"/>
+          <a:ext cx="0" cy="0"/>
+          <a:chOff x="0" y="0"/>
+          <a:chExt cx="0" cy="0"/>
+        </a:xfrm>
+      </p:grpSpPr>
+      <p:sp>
+        <p:nvSpPr>
+          <p:cNvPr id="2" name="Titel 1">
+            <a:extLst>
+              <a:ext uri="{FF2B5EF4-FFF2-40B4-BE49-F238E27FC236}">
+                <a16:creationId xmlns:a16="http://schemas.microsoft.com/office/drawing/2014/main" id="{453D3A9F-E8FC-4562-B663-B4E1FBF8470D}"/>
+              </a:ext>
+            </a:extLst>
+          </p:cNvPr>
+          <p:cNvSpPr>
+            <a:spLocks noGrp="1"/>
+          </p:cNvSpPr>
+          <p:nvPr>
+            <p:ph type="title"/>
+          </p:nvPr>
+        </p:nvSpPr>
+        <p:spPr/>
+        <p:txBody>
+          <a:bodyPr/>
+          <a:lstStyle/>
+          <a:p>
+            <a:r>
+              <a:rPr lang="de-DE" dirty="0"/>
+              <a:t>LAMP Stack</a:t>
+            </a:r>
+          </a:p>
+        </p:txBody>
+      </p:sp>
+      <p:graphicFrame>
+        <p:nvGraphicFramePr>
+          <p:cNvPr id="4" name="Inhaltsplatzhalter 3">
+            <a:extLst>
+              <a:ext uri="{FF2B5EF4-FFF2-40B4-BE49-F238E27FC236}">
+                <a16:creationId xmlns:a16="http://schemas.microsoft.com/office/drawing/2014/main" id="{948CBCC9-32D4-4B75-A835-5AD30A9CC426}"/>
+              </a:ext>
+            </a:extLst>
+          </p:cNvPr>
+          <p:cNvGraphicFramePr>
+            <a:graphicFrameLocks noGrp="1"/>
+          </p:cNvGraphicFramePr>
+          <p:nvPr>
+            <p:ph idx="1"/>
+            <p:extLst>
+              <p:ext uri="{D42A27DB-BD31-4B8C-83A1-F6EECF244321}">
+                <p14:modId xmlns:p14="http://schemas.microsoft.com/office/powerpoint/2010/main" val="2031354174"/>
+              </p:ext>
+            </p:extLst>
+          </p:nvPr>
+        </p:nvGraphicFramePr>
+        <p:xfrm>
+          <a:off x="1524000" y="1772816"/>
+          <a:ext cx="9144000" cy="2926080"/>
+        </p:xfrm>
+        <a:graphic>
+          <a:graphicData uri="http://schemas.openxmlformats.org/drawingml/2006/table">
+            <a:tbl>
+              <a:tblPr/>
+              <a:tblGrid>
+                <a:gridCol w="4572000">
+                  <a:extLst>
+                    <a:ext uri="{9D8B030D-6E8A-4147-A177-3AD203B41FA5}">
+                      <a16:colId xmlns:a16="http://schemas.microsoft.com/office/drawing/2014/main" val="1956268575"/>
+                    </a:ext>
+                  </a:extLst>
+                </a:gridCol>
+                <a:gridCol w="4572000">
+                  <a:extLst>
+                    <a:ext uri="{9D8B030D-6E8A-4147-A177-3AD203B41FA5}">
+                      <a16:colId xmlns:a16="http://schemas.microsoft.com/office/drawing/2014/main" val="3726822623"/>
+                    </a:ext>
+                  </a:extLst>
+                </a:gridCol>
+              </a:tblGrid>
+              <a:tr h="0">
+                <a:tc>
+                  <a:txBody>
+                    <a:bodyPr/>
+                    <a:lstStyle/>
+                    <a:p>
+                      <a:r>
+                        <a:rPr lang="de-DE" dirty="0"/>
+                        <a:t>Betriebssystem </a:t>
+                      </a:r>
+                    </a:p>
+                  </a:txBody>
+                  <a:tcPr anchor="ctr">
+                    <a:lnL>
+                      <a:noFill/>
+                    </a:lnL>
+                    <a:lnR>
+                      <a:noFill/>
+                    </a:lnR>
+                    <a:lnT>
+                      <a:noFill/>
+                    </a:lnT>
+                    <a:lnB>
+                      <a:noFill/>
+                    </a:lnB>
+                  </a:tcPr>
+                </a:tc>
+                <a:tc>
+                  <a:txBody>
+                    <a:bodyPr/>
+                    <a:lstStyle/>
+                    <a:p>
+                      <a:r>
+                        <a:rPr lang="de-DE" dirty="0"/>
+                        <a:t>Linux </a:t>
+                      </a:r>
+                    </a:p>
+                  </a:txBody>
+                  <a:tcPr anchor="ctr">
+                    <a:lnL>
+                      <a:noFill/>
+                    </a:lnL>
+                    <a:lnR>
+                      <a:noFill/>
+                    </a:lnR>
+                    <a:lnT>
+                      <a:noFill/>
+                    </a:lnT>
+                    <a:lnB>
+                      <a:noFill/>
+                    </a:lnB>
+                  </a:tcPr>
+                </a:tc>
+                <a:extLst>
+                  <a:ext uri="{0D108BD9-81ED-4DB2-BD59-A6C34878D82A}">
+                    <a16:rowId xmlns:a16="http://schemas.microsoft.com/office/drawing/2014/main" val="1164888835"/>
+                  </a:ext>
+                </a:extLst>
+              </a:tr>
+              <a:tr h="0">
+                <a:tc>
+                  <a:txBody>
+                    <a:bodyPr/>
+                    <a:lstStyle/>
+                    <a:p>
+                      <a:r>
+                        <a:rPr lang="de-DE" dirty="0"/>
+                        <a:t>Webserver Port 80</a:t>
+                      </a:r>
+                    </a:p>
+                  </a:txBody>
+                  <a:tcPr anchor="ctr">
+                    <a:lnL>
+                      <a:noFill/>
+                    </a:lnL>
+                    <a:lnR>
+                      <a:noFill/>
+                    </a:lnR>
+                    <a:lnT>
+                      <a:noFill/>
+                    </a:lnT>
+                    <a:lnB>
+                      <a:noFill/>
+                    </a:lnB>
+                  </a:tcPr>
+                </a:tc>
+                <a:tc>
+                  <a:txBody>
+                    <a:bodyPr/>
+                    <a:lstStyle/>
+                    <a:p>
+                      <a:r>
+                        <a:rPr lang="de-DE" dirty="0"/>
+                        <a:t>Apache2</a:t>
+                      </a:r>
+                    </a:p>
+                  </a:txBody>
+                  <a:tcPr anchor="ctr">
+                    <a:lnL>
+                      <a:noFill/>
+                    </a:lnL>
+                    <a:lnR>
+                      <a:noFill/>
+                    </a:lnR>
+                    <a:lnT>
+                      <a:noFill/>
+                    </a:lnT>
+                    <a:lnB>
+                      <a:noFill/>
+                    </a:lnB>
+                  </a:tcPr>
+                </a:tc>
+                <a:extLst>
+                  <a:ext uri="{0D108BD9-81ED-4DB2-BD59-A6C34878D82A}">
+                    <a16:rowId xmlns:a16="http://schemas.microsoft.com/office/drawing/2014/main" val="3632146496"/>
+                  </a:ext>
+                </a:extLst>
+              </a:tr>
+              <a:tr h="0">
+                <a:tc>
+                  <a:txBody>
+                    <a:bodyPr/>
+                    <a:lstStyle/>
+                    <a:p>
+                      <a:r>
+                        <a:rPr lang="de-DE" dirty="0"/>
+                        <a:t>Datenbank </a:t>
+                      </a:r>
+                    </a:p>
+                  </a:txBody>
+                  <a:tcPr anchor="ctr">
+                    <a:lnL>
+                      <a:noFill/>
+                    </a:lnL>
+                    <a:lnR>
+                      <a:noFill/>
+                    </a:lnR>
+                    <a:lnT>
+                      <a:noFill/>
+                    </a:lnT>
+                    <a:lnB>
+                      <a:noFill/>
+                    </a:lnB>
+                  </a:tcPr>
+                </a:tc>
+                <a:tc>
+                  <a:txBody>
+                    <a:bodyPr/>
+                    <a:lstStyle/>
+                    <a:p>
+                      <a:r>
+                        <a:rPr lang="de-DE" dirty="0"/>
+                        <a:t>MySQL </a:t>
+                      </a:r>
+                    </a:p>
+                  </a:txBody>
+                  <a:tcPr anchor="ctr">
+                    <a:lnL>
+                      <a:noFill/>
+                    </a:lnL>
+                    <a:lnR>
+                      <a:noFill/>
+                    </a:lnR>
+                    <a:lnT>
+                      <a:noFill/>
+                    </a:lnT>
+                    <a:lnB>
+                      <a:noFill/>
+                    </a:lnB>
+                  </a:tcPr>
+                </a:tc>
+                <a:extLst>
+                  <a:ext uri="{0D108BD9-81ED-4DB2-BD59-A6C34878D82A}">
+                    <a16:rowId xmlns:a16="http://schemas.microsoft.com/office/drawing/2014/main" val="686356194"/>
+                  </a:ext>
+                </a:extLst>
+              </a:tr>
+              <a:tr h="0">
+                <a:tc>
+                  <a:txBody>
+                    <a:bodyPr/>
+                    <a:lstStyle/>
+                    <a:p>
+                      <a:r>
+                        <a:rPr lang="de-DE" dirty="0"/>
+                        <a:t>Programmiersprache </a:t>
+                      </a:r>
+                    </a:p>
+                  </a:txBody>
+                  <a:tcPr anchor="ctr">
+                    <a:lnL>
+                      <a:noFill/>
+                    </a:lnL>
+                    <a:lnR>
+                      <a:noFill/>
+                    </a:lnR>
+                    <a:lnT>
+                      <a:noFill/>
+                    </a:lnT>
+                    <a:lnB>
+                      <a:noFill/>
+                    </a:lnB>
+                  </a:tcPr>
+                </a:tc>
+                <a:tc>
+                  <a:txBody>
+                    <a:bodyPr/>
+                    <a:lstStyle/>
+                    <a:p>
+                      <a:r>
+                        <a:rPr lang="de-DE" dirty="0"/>
+                        <a:t>PHP</a:t>
+                      </a:r>
+                    </a:p>
+                  </a:txBody>
+                  <a:tcPr anchor="ctr">
+                    <a:lnL>
+                      <a:noFill/>
+                    </a:lnL>
+                    <a:lnR>
+                      <a:noFill/>
+                    </a:lnR>
+                    <a:lnT>
+                      <a:noFill/>
+                    </a:lnT>
+                    <a:lnB>
+                      <a:noFill/>
+                    </a:lnB>
+                  </a:tcPr>
+                </a:tc>
+                <a:extLst>
+                  <a:ext uri="{0D108BD9-81ED-4DB2-BD59-A6C34878D82A}">
+                    <a16:rowId xmlns:a16="http://schemas.microsoft.com/office/drawing/2014/main" val="493418931"/>
+                  </a:ext>
+                </a:extLst>
+              </a:tr>
+              <a:tr h="0">
+                <a:tc>
+                  <a:txBody>
+                    <a:bodyPr/>
+                    <a:lstStyle/>
+                    <a:p>
+                      <a:endParaRPr lang="de-DE" dirty="0"/>
+                    </a:p>
+                  </a:txBody>
+                  <a:tcPr anchor="ctr">
+                    <a:lnL>
+                      <a:noFill/>
+                    </a:lnL>
+                    <a:lnR>
+                      <a:noFill/>
+                    </a:lnR>
+                    <a:lnT>
+                      <a:noFill/>
+                    </a:lnT>
+                    <a:lnB>
+                      <a:noFill/>
+                    </a:lnB>
+                  </a:tcPr>
+                </a:tc>
+                <a:tc>
+                  <a:txBody>
+                    <a:bodyPr/>
+                    <a:lstStyle/>
+                    <a:p>
+                      <a:endParaRPr lang="de-DE" dirty="0"/>
+                    </a:p>
+                  </a:txBody>
+                  <a:tcPr anchor="ctr">
+                    <a:lnL>
+                      <a:noFill/>
+                    </a:lnL>
+                    <a:lnR>
+                      <a:noFill/>
+                    </a:lnR>
+                    <a:lnT>
+                      <a:noFill/>
+                    </a:lnT>
+                    <a:lnB>
+                      <a:noFill/>
+                    </a:lnB>
+                  </a:tcPr>
+                </a:tc>
+                <a:extLst>
+                  <a:ext uri="{0D108BD9-81ED-4DB2-BD59-A6C34878D82A}">
+                    <a16:rowId xmlns:a16="http://schemas.microsoft.com/office/drawing/2014/main" val="457081252"/>
+                  </a:ext>
+                </a:extLst>
+              </a:tr>
+              <a:tr h="0">
+                <a:tc>
+                  <a:txBody>
+                    <a:bodyPr/>
+                    <a:lstStyle/>
+                    <a:p>
+                      <a:r>
+                        <a:rPr lang="de-DE" dirty="0"/>
+                        <a:t>Anwendung</a:t>
+                      </a:r>
+                    </a:p>
+                  </a:txBody>
+                  <a:tcPr anchor="ctr">
+                    <a:lnL>
+                      <a:noFill/>
+                    </a:lnL>
+                    <a:lnR>
+                      <a:noFill/>
+                    </a:lnR>
+                    <a:lnT>
+                      <a:noFill/>
+                    </a:lnT>
+                    <a:lnB>
+                      <a:noFill/>
+                    </a:lnB>
+                  </a:tcPr>
+                </a:tc>
+                <a:tc>
+                  <a:txBody>
+                    <a:bodyPr/>
+                    <a:lstStyle/>
+                    <a:p>
+                      <a:r>
+                        <a:rPr lang="de-DE" dirty="0"/>
+                        <a:t>PhpMyAdmin</a:t>
+                      </a:r>
+                    </a:p>
+                  </a:txBody>
+                  <a:tcPr anchor="ctr">
+                    <a:lnL>
+                      <a:noFill/>
+                    </a:lnL>
+                    <a:lnR>
+                      <a:noFill/>
+                    </a:lnR>
+                    <a:lnT>
+                      <a:noFill/>
+                    </a:lnT>
+                    <a:lnB>
+                      <a:noFill/>
+                    </a:lnB>
+                  </a:tcPr>
+                </a:tc>
+                <a:extLst>
+                  <a:ext uri="{0D108BD9-81ED-4DB2-BD59-A6C34878D82A}">
+                    <a16:rowId xmlns:a16="http://schemas.microsoft.com/office/drawing/2014/main" val="3049598822"/>
+                  </a:ext>
+                </a:extLst>
+              </a:tr>
+              <a:tr h="0">
+                <a:tc>
+                  <a:txBody>
+                    <a:bodyPr/>
+                    <a:lstStyle/>
+                    <a:p>
+                      <a:endParaRPr lang="de-DE" dirty="0"/>
+                    </a:p>
+                  </a:txBody>
+                  <a:tcPr anchor="ctr">
+                    <a:lnL>
+                      <a:noFill/>
+                    </a:lnL>
+                    <a:lnR>
+                      <a:noFill/>
+                    </a:lnR>
+                    <a:lnT>
+                      <a:noFill/>
+                    </a:lnT>
+                    <a:lnB>
+                      <a:noFill/>
+                    </a:lnB>
+                  </a:tcPr>
+                </a:tc>
+                <a:tc>
+                  <a:txBody>
+                    <a:bodyPr/>
+                    <a:lstStyle/>
+                    <a:p>
+                      <a:endParaRPr lang="de-DE" dirty="0"/>
+                    </a:p>
+                  </a:txBody>
+                  <a:tcPr anchor="ctr">
+                    <a:lnL>
+                      <a:noFill/>
+                    </a:lnL>
+                    <a:lnR>
+                      <a:noFill/>
+                    </a:lnR>
+                    <a:lnT>
+                      <a:noFill/>
+                    </a:lnT>
+                    <a:lnB>
+                      <a:noFill/>
+                    </a:lnB>
+                  </a:tcPr>
+                </a:tc>
+                <a:extLst>
+                  <a:ext uri="{0D108BD9-81ED-4DB2-BD59-A6C34878D82A}">
+                    <a16:rowId xmlns:a16="http://schemas.microsoft.com/office/drawing/2014/main" val="4084193877"/>
+                  </a:ext>
+                </a:extLst>
+              </a:tr>
+              <a:tr h="0">
+                <a:tc>
+                  <a:txBody>
+                    <a:bodyPr/>
+                    <a:lstStyle/>
+                    <a:p>
+                      <a:r>
+                        <a:rPr lang="de-DE" dirty="0"/>
+                        <a:t>Proxy Port 8080 → 80</a:t>
+                      </a:r>
+                    </a:p>
+                  </a:txBody>
+                  <a:tcPr anchor="ctr">
+                    <a:lnL>
+                      <a:noFill/>
+                    </a:lnL>
+                    <a:lnR>
+                      <a:noFill/>
+                    </a:lnR>
+                    <a:lnT>
+                      <a:noFill/>
+                    </a:lnT>
+                    <a:lnB>
+                      <a:noFill/>
+                    </a:lnB>
+                  </a:tcPr>
+                </a:tc>
+                <a:tc>
+                  <a:txBody>
+                    <a:bodyPr/>
+                    <a:lstStyle/>
+                    <a:p>
+                      <a:r>
+                        <a:rPr lang="de-DE" dirty="0" err="1"/>
+                        <a:t>Ngnix</a:t>
+                      </a:r>
+                      <a:endParaRPr lang="de-DE" dirty="0"/>
+                    </a:p>
+                  </a:txBody>
+                  <a:tcPr anchor="ctr">
+                    <a:lnL>
+                      <a:noFill/>
+                    </a:lnL>
+                    <a:lnR>
+                      <a:noFill/>
+                    </a:lnR>
+                    <a:lnT>
+                      <a:noFill/>
+                    </a:lnT>
+                    <a:lnB>
+                      <a:noFill/>
+                    </a:lnB>
+                  </a:tcPr>
+                </a:tc>
+                <a:extLst>
+                  <a:ext uri="{0D108BD9-81ED-4DB2-BD59-A6C34878D82A}">
+                    <a16:rowId xmlns:a16="http://schemas.microsoft.com/office/drawing/2014/main" val="2773851871"/>
+                  </a:ext>
+                </a:extLst>
+              </a:tr>
+            </a:tbl>
+          </a:graphicData>
+        </a:graphic>
+      </p:graphicFrame>
+    </p:spTree>
+    <p:extLst>
+      <p:ext uri="{BB962C8B-B14F-4D97-AF65-F5344CB8AC3E}">
+        <p14:creationId xmlns:p14="http://schemas.microsoft.com/office/powerpoint/2010/main" val="2643841973"/>
+      </p:ext>
+    </p:extLst>
+  </p:cSld>
+  <p:clrMapOvr>
+    <a:masterClrMapping/>
+  </p:clrMapOvr>
+</p:sld>
+</file>
+
+<file path=ppt/slides/slide7.xml><?xml version="1.0" encoding="utf-8"?>
+<p:sld xmlns:a="http://schemas.openxmlformats.org/drawingml/2006/main" xmlns:r="http://schemas.openxmlformats.org/officeDocument/2006/relationships" xmlns:p="http://schemas.openxmlformats.org/presentationml/2006/main">
+  <p:cSld>
+    <p:spTree>
+      <p:nvGrpSpPr>
+        <p:cNvPr id="1" name=""/>
+        <p:cNvGrpSpPr/>
+        <p:nvPr/>
+      </p:nvGrpSpPr>
+      <p:grpSpPr>
+        <a:xfrm>
+          <a:off x="0" y="0"/>
+          <a:ext cx="0" cy="0"/>
+          <a:chOff x="0" y="0"/>
+          <a:chExt cx="0" cy="0"/>
+        </a:xfrm>
+      </p:grpSpPr>
+      <p:sp>
+        <p:nvSpPr>
+          <p:cNvPr id="4" name="Titel 3">
+            <a:extLst>
+              <a:ext uri="{FF2B5EF4-FFF2-40B4-BE49-F238E27FC236}">
+                <a16:creationId xmlns:a16="http://schemas.microsoft.com/office/drawing/2014/main" id="{59827797-EA2F-4671-AA72-B76A0788D28F}"/>
+              </a:ext>
+            </a:extLst>
+          </p:cNvPr>
+          <p:cNvSpPr>
+            <a:spLocks noGrp="1"/>
+          </p:cNvSpPr>
+          <p:nvPr>
+            <p:ph type="title"/>
+          </p:nvPr>
+        </p:nvSpPr>
+        <p:spPr/>
+        <p:txBody>
+          <a:bodyPr>
+            <a:normAutofit/>
+          </a:bodyPr>
+          <a:lstStyle/>
+          <a:p>
+            <a:r>
+              <a:rPr lang="de-DE" dirty="0"/>
+              <a:t>Tag 2</a:t>
+            </a:r>
+          </a:p>
+        </p:txBody>
+      </p:sp>
+      <p:sp>
+        <p:nvSpPr>
+          <p:cNvPr id="5" name="Textplatzhalter 4">
+            <a:extLst>
+              <a:ext uri="{FF2B5EF4-FFF2-40B4-BE49-F238E27FC236}">
+                <a16:creationId xmlns:a16="http://schemas.microsoft.com/office/drawing/2014/main" id="{D55F7649-281D-4D04-84B2-D5F355801783}"/>
+              </a:ext>
+            </a:extLst>
+          </p:cNvPr>
+          <p:cNvSpPr>
+            <a:spLocks noGrp="1"/>
+          </p:cNvSpPr>
+          <p:nvPr>
+            <p:ph type="body" idx="1"/>
+          </p:nvPr>
+        </p:nvSpPr>
+        <p:spPr/>
+        <p:txBody>
+          <a:bodyPr/>
+          <a:lstStyle/>
+          <a:p>
+            <a:r>
+              <a:rPr lang="de-DE" dirty="0" err="1"/>
+              <a:t>Git</a:t>
+            </a:r>
+            <a:r>
+              <a:rPr lang="de-DE" dirty="0"/>
+              <a:t> und Bash-Skripte</a:t>
+            </a:r>
+          </a:p>
+        </p:txBody>
+      </p:sp>
+    </p:spTree>
+    <p:extLst>
+      <p:ext uri="{BB962C8B-B14F-4D97-AF65-F5344CB8AC3E}">
+        <p14:creationId xmlns:p14="http://schemas.microsoft.com/office/powerpoint/2010/main" val="3576511108"/>
+      </p:ext>
+    </p:extLst>
+  </p:cSld>
+  <p:clrMapOvr>
+    <a:masterClrMapping/>
+  </p:clrMapOvr>
+</p:sld>
+</file>
+
+<file path=ppt/slides/slide8.xml><?xml version="1.0" encoding="utf-8"?>
+<p:sld xmlns:a="http://schemas.openxmlformats.org/drawingml/2006/main" xmlns:r="http://schemas.openxmlformats.org/officeDocument/2006/relationships" xmlns:p="http://schemas.openxmlformats.org/presentationml/2006/main">
+  <p:cSld>
+    <p:spTree>
+      <p:nvGrpSpPr>
+        <p:cNvPr id="1" name=""/>
+        <p:cNvGrpSpPr/>
+        <p:nvPr/>
+      </p:nvGrpSpPr>
+      <p:grpSpPr>
+        <a:xfrm>
+          <a:off x="0" y="0"/>
+          <a:ext cx="0" cy="0"/>
+          <a:chOff x="0" y="0"/>
+          <a:chExt cx="0" cy="0"/>
+        </a:xfrm>
+      </p:grpSpPr>
+      <p:sp>
+        <p:nvSpPr>
+          <p:cNvPr id="4" name="Titel 3">
+            <a:extLst>
+              <a:ext uri="{FF2B5EF4-FFF2-40B4-BE49-F238E27FC236}">
+                <a16:creationId xmlns:a16="http://schemas.microsoft.com/office/drawing/2014/main" id="{4C64A8CB-932C-4272-9B98-27DC449BD934}"/>
+              </a:ext>
+            </a:extLst>
+          </p:cNvPr>
+          <p:cNvSpPr>
+            <a:spLocks noGrp="1"/>
+          </p:cNvSpPr>
+          <p:nvPr>
+            <p:ph type="title"/>
+          </p:nvPr>
+        </p:nvSpPr>
+        <p:spPr/>
+        <p:txBody>
+          <a:bodyPr/>
+          <a:lstStyle/>
+          <a:p>
+            <a:endParaRPr lang="de-DE"/>
+          </a:p>
+        </p:txBody>
+      </p:sp>
+      <p:sp>
+        <p:nvSpPr>
+          <p:cNvPr id="5" name="Inhaltsplatzhalter 4">
+            <a:extLst>
+              <a:ext uri="{FF2B5EF4-FFF2-40B4-BE49-F238E27FC236}">
+                <a16:creationId xmlns:a16="http://schemas.microsoft.com/office/drawing/2014/main" id="{0E640E01-C4D5-4E4E-9831-D5AA3D3D49A1}"/>
+              </a:ext>
+            </a:extLst>
+          </p:cNvPr>
+          <p:cNvSpPr>
+            <a:spLocks noGrp="1"/>
+          </p:cNvSpPr>
+          <p:nvPr>
+            <p:ph sz="half" idx="1"/>
+          </p:nvPr>
+        </p:nvSpPr>
+        <p:spPr/>
+        <p:txBody>
+          <a:bodyPr/>
+          <a:lstStyle/>
+          <a:p>
+            <a:endParaRPr lang="de-DE"/>
+          </a:p>
+        </p:txBody>
+      </p:sp>
+      <p:sp>
+        <p:nvSpPr>
+          <p:cNvPr id="6" name="Inhaltsplatzhalter 5">
+            <a:extLst>
+              <a:ext uri="{FF2B5EF4-FFF2-40B4-BE49-F238E27FC236}">
+                <a16:creationId xmlns:a16="http://schemas.microsoft.com/office/drawing/2014/main" id="{FC9D0B8F-288A-4146-9F56-AD22E9637800}"/>
+              </a:ext>
+            </a:extLst>
+          </p:cNvPr>
+          <p:cNvSpPr>
+            <a:spLocks noGrp="1"/>
+          </p:cNvSpPr>
+          <p:nvPr>
+            <p:ph sz="half" idx="2"/>
+          </p:nvPr>
+        </p:nvSpPr>
+        <p:spPr/>
+        <p:txBody>
+          <a:bodyPr/>
+          <a:lstStyle/>
+          <a:p>
+            <a:endParaRPr lang="de-DE"/>
+          </a:p>
+        </p:txBody>
+      </p:sp>
+    </p:spTree>
+    <p:extLst>
+      <p:ext uri="{BB962C8B-B14F-4D97-AF65-F5344CB8AC3E}">
+        <p14:creationId xmlns:p14="http://schemas.microsoft.com/office/powerpoint/2010/main" val="2212123775"/>
+      </p:ext>
+    </p:extLst>
+  </p:cSld>
+  <p:clrMapOvr>
+    <a:masterClrMapping/>
+  </p:clrMapOvr>
+</p:sld>
+</file>
+
+<file path=ppt/slides/slide9.xml><?xml version="1.0" encoding="utf-8"?>
+<p:sld xmlns:a="http://schemas.openxmlformats.org/drawingml/2006/main" xmlns:r="http://schemas.openxmlformats.org/officeDocument/2006/relationships" xmlns:p="http://schemas.openxmlformats.org/presentationml/2006/main">
+  <p:cSld>
+    <p:spTree>
+      <p:nvGrpSpPr>
+        <p:cNvPr id="1" name=""/>
+        <p:cNvGrpSpPr/>
+        <p:nvPr/>
+      </p:nvGrpSpPr>
+      <p:grpSpPr>
+        <a:xfrm>
+          <a:off x="0" y="0"/>
+          <a:ext cx="0" cy="0"/>
+          <a:chOff x="0" y="0"/>
+          <a:chExt cx="0" cy="0"/>
+        </a:xfrm>
+      </p:grpSpPr>
+      <p:sp>
+        <p:nvSpPr>
+          <p:cNvPr id="4" name="Titel 3">
+            <a:extLst>
+              <a:ext uri="{FF2B5EF4-FFF2-40B4-BE49-F238E27FC236}">
+                <a16:creationId xmlns:a16="http://schemas.microsoft.com/office/drawing/2014/main" id="{59827797-EA2F-4671-AA72-B76A0788D28F}"/>
+              </a:ext>
+            </a:extLst>
+          </p:cNvPr>
+          <p:cNvSpPr>
+            <a:spLocks noGrp="1"/>
+          </p:cNvSpPr>
+          <p:nvPr>
+            <p:ph type="title"/>
+          </p:nvPr>
+        </p:nvSpPr>
+        <p:spPr/>
+        <p:txBody>
+          <a:bodyPr>
+            <a:normAutofit/>
+          </a:bodyPr>
+          <a:lstStyle/>
+          <a:p>
+            <a:br>
+              <a:rPr lang="de-DE" dirty="0"/>
+            </a:br>
+            <a:r>
+              <a:rPr lang="de-DE" dirty="0"/>
+              <a:t>Tag 3</a:t>
+            </a:r>
+          </a:p>
+        </p:txBody>
+      </p:sp>
+      <p:sp>
+        <p:nvSpPr>
+          <p:cNvPr id="5" name="Textplatzhalter 4">
+            <a:extLst>
+              <a:ext uri="{FF2B5EF4-FFF2-40B4-BE49-F238E27FC236}">
+                <a16:creationId xmlns:a16="http://schemas.microsoft.com/office/drawing/2014/main" id="{D55F7649-281D-4D04-84B2-D5F355801783}"/>
+              </a:ext>
+            </a:extLst>
+          </p:cNvPr>
+          <p:cNvSpPr>
+            <a:spLocks noGrp="1"/>
+          </p:cNvSpPr>
+          <p:nvPr>
+            <p:ph type="body" idx="1"/>
+          </p:nvPr>
+        </p:nvSpPr>
+        <p:spPr/>
+        <p:txBody>
+          <a:bodyPr/>
+          <a:lstStyle/>
+          <a:p>
+            <a:r>
+              <a:rPr lang="de-DE" dirty="0" err="1"/>
+              <a:t>Ansible</a:t>
+            </a:r>
+            <a:r>
+              <a:rPr lang="de-DE" dirty="0"/>
+              <a:t> Part 1</a:t>
+            </a:r>
+          </a:p>
+        </p:txBody>
+      </p:sp>
+    </p:spTree>
+    <p:extLst>
+      <p:ext uri="{BB962C8B-B14F-4D97-AF65-F5344CB8AC3E}">
+        <p14:creationId xmlns:p14="http://schemas.microsoft.com/office/powerpoint/2010/main" val="1926612627"/>
       </p:ext>
     </p:extLst>
   </p:cSld>

--- a/Linux 1x1.pptx
+++ b/Linux 1x1.pptx
@@ -5,10 +5,10 @@
     <p:sldMasterId id="2147483648" r:id="rId4"/>
   </p:sldMasterIdLst>
   <p:notesMasterIdLst>
-    <p:notesMasterId r:id="rId10"/>
+    <p:notesMasterId r:id="rId15"/>
   </p:notesMasterIdLst>
   <p:handoutMasterIdLst>
-    <p:handoutMasterId r:id="rId11"/>
+    <p:handoutMasterId r:id="rId16"/>
   </p:handoutMasterIdLst>
   <p:sldIdLst>
     <p:sldId id="256" r:id="rId5"/>
@@ -16,6 +16,11 @@
     <p:sldId id="258" r:id="rId7"/>
     <p:sldId id="259" r:id="rId8"/>
     <p:sldId id="260" r:id="rId9"/>
+    <p:sldId id="265" r:id="rId10"/>
+    <p:sldId id="262" r:id="rId11"/>
+    <p:sldId id="263" r:id="rId12"/>
+    <p:sldId id="264" r:id="rId13"/>
+    <p:sldId id="261" r:id="rId14"/>
   </p:sldIdLst>
   <p:sldSz cx="12192000" cy="6858000"/>
   <p:notesSz cx="6858000" cy="9144000"/>
@@ -115,6 +120,44 @@
     </a:lvl9pPr>
   </p:defaultTextStyle>
   <p:extLst>
+    <p:ext uri="{521415D9-36F7-43E2-AB2F-B90AF26B5E84}">
+      <p14:sectionLst xmlns:p14="http://schemas.microsoft.com/office/powerpoint/2010/main">
+        <p14:section name="Agenda" id="{0F10F781-AC8A-4E63-BC5B-5987C2316CE3}">
+          <p14:sldIdLst>
+            <p14:sldId id="256"/>
+            <p14:sldId id="257"/>
+          </p14:sldIdLst>
+        </p14:section>
+        <p14:section name="Tag 1" id="{ABA160DF-B9C4-4043-9201-3E9C7D30D275}">
+          <p14:sldIdLst>
+            <p14:sldId id="258"/>
+            <p14:sldId id="259"/>
+            <p14:sldId id="260"/>
+            <p14:sldId id="265"/>
+          </p14:sldIdLst>
+        </p14:section>
+        <p14:section name="Tag 2" id="{34D804F9-FC81-42A7-9FAA-7B60F8DA6FFD}">
+          <p14:sldIdLst>
+            <p14:sldId id="262"/>
+          </p14:sldIdLst>
+        </p14:section>
+        <p14:section name="Tag 3" id="{8EDE3A92-6A8A-46D8-969D-3F9589A15BB6}">
+          <p14:sldIdLst>
+            <p14:sldId id="263"/>
+          </p14:sldIdLst>
+        </p14:section>
+        <p14:section name="Tag 4" id="{8FE2665A-4D5D-4FA0-8B1A-7B96E1AA3A75}">
+          <p14:sldIdLst>
+            <p14:sldId id="264"/>
+          </p14:sldIdLst>
+        </p14:section>
+        <p14:section name="Tag 5" id="{DE1646EE-0BE3-4204-A0C0-6B3FF1360BA8}">
+          <p14:sldIdLst>
+            <p14:sldId id="261"/>
+          </p14:sldIdLst>
+        </p14:section>
+      </p14:sectionLst>
+    </p:ext>
     <p:ext uri="{EFAFB233-063F-42B5-8137-9DF3F51BA10A}">
       <p15:sldGuideLst xmlns:p15="http://schemas.microsoft.com/office/powerpoint/2012/main">
         <p15:guide id="1" pos="3840" userDrawn="1">
@@ -3839,31 +3882,6 @@
           </a:p>
         </p:txBody>
       </p:sp>
-      <p:sp>
-        <p:nvSpPr>
-          <p:cNvPr id="5" name="Untertitel 4">
-            <a:extLst>
-              <a:ext uri="{FF2B5EF4-FFF2-40B4-BE49-F238E27FC236}">
-                <a16:creationId xmlns:a16="http://schemas.microsoft.com/office/drawing/2014/main" id="{2516FC3E-8204-4D9C-9041-3DA9100B1522}"/>
-              </a:ext>
-            </a:extLst>
-          </p:cNvPr>
-          <p:cNvSpPr>
-            <a:spLocks noGrp="1"/>
-          </p:cNvSpPr>
-          <p:nvPr>
-            <p:ph type="subTitle" idx="1"/>
-          </p:nvPr>
-        </p:nvSpPr>
-        <p:spPr/>
-        <p:txBody>
-          <a:bodyPr/>
-          <a:lstStyle/>
-          <a:p>
-            <a:endParaRPr lang="de-DE"/>
-          </a:p>
-        </p:txBody>
-      </p:sp>
     </p:spTree>
     <p:extLst>
       <p:ext uri="{BB962C8B-B14F-4D97-AF65-F5344CB8AC3E}">
@@ -3886,6 +3904,95 @@
       </p:transition>
     </mc:Fallback>
   </mc:AlternateContent>
+</p:sld>
+</file>
+
+<file path=ppt/slides/slide10.xml><?xml version="1.0" encoding="utf-8"?>
+<p:sld xmlns:a="http://schemas.openxmlformats.org/drawingml/2006/main" xmlns:r="http://schemas.openxmlformats.org/officeDocument/2006/relationships" xmlns:p="http://schemas.openxmlformats.org/presentationml/2006/main">
+  <p:cSld>
+    <p:spTree>
+      <p:nvGrpSpPr>
+        <p:cNvPr id="1" name=""/>
+        <p:cNvGrpSpPr/>
+        <p:nvPr/>
+      </p:nvGrpSpPr>
+      <p:grpSpPr>
+        <a:xfrm>
+          <a:off x="0" y="0"/>
+          <a:ext cx="0" cy="0"/>
+          <a:chOff x="0" y="0"/>
+          <a:chExt cx="0" cy="0"/>
+        </a:xfrm>
+      </p:grpSpPr>
+      <p:sp>
+        <p:nvSpPr>
+          <p:cNvPr id="4" name="Titel 3">
+            <a:extLst>
+              <a:ext uri="{FF2B5EF4-FFF2-40B4-BE49-F238E27FC236}">
+                <a16:creationId xmlns:a16="http://schemas.microsoft.com/office/drawing/2014/main" id="{59827797-EA2F-4671-AA72-B76A0788D28F}"/>
+              </a:ext>
+            </a:extLst>
+          </p:cNvPr>
+          <p:cNvSpPr>
+            <a:spLocks noGrp="1"/>
+          </p:cNvSpPr>
+          <p:nvPr>
+            <p:ph type="title"/>
+          </p:nvPr>
+        </p:nvSpPr>
+        <p:spPr/>
+        <p:txBody>
+          <a:bodyPr/>
+          <a:lstStyle/>
+          <a:p>
+            <a:br>
+              <a:rPr lang="de-DE" dirty="0"/>
+            </a:br>
+            <a:r>
+              <a:rPr lang="de-DE" dirty="0"/>
+              <a:t>Tag 5</a:t>
+            </a:r>
+          </a:p>
+        </p:txBody>
+      </p:sp>
+      <p:sp>
+        <p:nvSpPr>
+          <p:cNvPr id="5" name="Textplatzhalter 4">
+            <a:extLst>
+              <a:ext uri="{FF2B5EF4-FFF2-40B4-BE49-F238E27FC236}">
+                <a16:creationId xmlns:a16="http://schemas.microsoft.com/office/drawing/2014/main" id="{D55F7649-281D-4D04-84B2-D5F355801783}"/>
+              </a:ext>
+            </a:extLst>
+          </p:cNvPr>
+          <p:cNvSpPr>
+            <a:spLocks noGrp="1"/>
+          </p:cNvSpPr>
+          <p:nvPr>
+            <p:ph type="body" idx="1"/>
+          </p:nvPr>
+        </p:nvSpPr>
+        <p:spPr/>
+        <p:txBody>
+          <a:bodyPr/>
+          <a:lstStyle/>
+          <a:p>
+            <a:r>
+              <a:rPr lang="de-DE" dirty="0"/>
+              <a:t>Python</a:t>
+            </a:r>
+          </a:p>
+        </p:txBody>
+      </p:sp>
+    </p:spTree>
+    <p:extLst>
+      <p:ext uri="{BB962C8B-B14F-4D97-AF65-F5344CB8AC3E}">
+        <p14:creationId xmlns:p14="http://schemas.microsoft.com/office/powerpoint/2010/main" val="179230394"/>
+      </p:ext>
+    </p:extLst>
+  </p:cSld>
+  <p:clrMapOvr>
+    <a:masterClrMapping/>
+  </p:clrMapOvr>
 </p:sld>
 </file>
 
@@ -4468,6 +4575,854 @@
     <p:extLst>
       <p:ext uri="{BB962C8B-B14F-4D97-AF65-F5344CB8AC3E}">
         <p14:creationId xmlns:p14="http://schemas.microsoft.com/office/powerpoint/2010/main" val="3026009767"/>
+      </p:ext>
+    </p:extLst>
+  </p:cSld>
+  <p:clrMapOvr>
+    <a:masterClrMapping/>
+  </p:clrMapOvr>
+</p:sld>
+</file>
+
+<file path=ppt/slides/slide6.xml><?xml version="1.0" encoding="utf-8"?>
+<p:sld xmlns:a="http://schemas.openxmlformats.org/drawingml/2006/main" xmlns:r="http://schemas.openxmlformats.org/officeDocument/2006/relationships" xmlns:p="http://schemas.openxmlformats.org/presentationml/2006/main">
+  <p:cSld>
+    <p:spTree>
+      <p:nvGrpSpPr>
+        <p:cNvPr id="1" name=""/>
+        <p:cNvGrpSpPr/>
+        <p:nvPr/>
+      </p:nvGrpSpPr>
+      <p:grpSpPr>
+        <a:xfrm>
+          <a:off x="0" y="0"/>
+          <a:ext cx="0" cy="0"/>
+          <a:chOff x="0" y="0"/>
+          <a:chExt cx="0" cy="0"/>
+        </a:xfrm>
+      </p:grpSpPr>
+      <p:sp>
+        <p:nvSpPr>
+          <p:cNvPr id="2" name="Titel 1">
+            <a:extLst>
+              <a:ext uri="{FF2B5EF4-FFF2-40B4-BE49-F238E27FC236}">
+                <a16:creationId xmlns:a16="http://schemas.microsoft.com/office/drawing/2014/main" id="{453D3A9F-E8FC-4562-B663-B4E1FBF8470D}"/>
+              </a:ext>
+            </a:extLst>
+          </p:cNvPr>
+          <p:cNvSpPr>
+            <a:spLocks noGrp="1"/>
+          </p:cNvSpPr>
+          <p:nvPr>
+            <p:ph type="title"/>
+          </p:nvPr>
+        </p:nvSpPr>
+        <p:spPr/>
+        <p:txBody>
+          <a:bodyPr/>
+          <a:lstStyle/>
+          <a:p>
+            <a:r>
+              <a:rPr lang="de-DE" dirty="0"/>
+              <a:t>LAMP Stack</a:t>
+            </a:r>
+          </a:p>
+        </p:txBody>
+      </p:sp>
+      <p:graphicFrame>
+        <p:nvGraphicFramePr>
+          <p:cNvPr id="4" name="Inhaltsplatzhalter 3">
+            <a:extLst>
+              <a:ext uri="{FF2B5EF4-FFF2-40B4-BE49-F238E27FC236}">
+                <a16:creationId xmlns:a16="http://schemas.microsoft.com/office/drawing/2014/main" id="{948CBCC9-32D4-4B75-A835-5AD30A9CC426}"/>
+              </a:ext>
+            </a:extLst>
+          </p:cNvPr>
+          <p:cNvGraphicFramePr>
+            <a:graphicFrameLocks noGrp="1"/>
+          </p:cNvGraphicFramePr>
+          <p:nvPr>
+            <p:ph idx="1"/>
+            <p:extLst>
+              <p:ext uri="{D42A27DB-BD31-4B8C-83A1-F6EECF244321}">
+                <p14:modId xmlns:p14="http://schemas.microsoft.com/office/powerpoint/2010/main" val="2031354174"/>
+              </p:ext>
+            </p:extLst>
+          </p:nvPr>
+        </p:nvGraphicFramePr>
+        <p:xfrm>
+          <a:off x="1524000" y="1772816"/>
+          <a:ext cx="9144000" cy="2926080"/>
+        </p:xfrm>
+        <a:graphic>
+          <a:graphicData uri="http://schemas.openxmlformats.org/drawingml/2006/table">
+            <a:tbl>
+              <a:tblPr/>
+              <a:tblGrid>
+                <a:gridCol w="4572000">
+                  <a:extLst>
+                    <a:ext uri="{9D8B030D-6E8A-4147-A177-3AD203B41FA5}">
+                      <a16:colId xmlns:a16="http://schemas.microsoft.com/office/drawing/2014/main" val="1956268575"/>
+                    </a:ext>
+                  </a:extLst>
+                </a:gridCol>
+                <a:gridCol w="4572000">
+                  <a:extLst>
+                    <a:ext uri="{9D8B030D-6E8A-4147-A177-3AD203B41FA5}">
+                      <a16:colId xmlns:a16="http://schemas.microsoft.com/office/drawing/2014/main" val="3726822623"/>
+                    </a:ext>
+                  </a:extLst>
+                </a:gridCol>
+              </a:tblGrid>
+              <a:tr h="0">
+                <a:tc>
+                  <a:txBody>
+                    <a:bodyPr/>
+                    <a:lstStyle/>
+                    <a:p>
+                      <a:r>
+                        <a:rPr lang="de-DE" dirty="0"/>
+                        <a:t>Betriebssystem </a:t>
+                      </a:r>
+                    </a:p>
+                  </a:txBody>
+                  <a:tcPr anchor="ctr">
+                    <a:lnL>
+                      <a:noFill/>
+                    </a:lnL>
+                    <a:lnR>
+                      <a:noFill/>
+                    </a:lnR>
+                    <a:lnT>
+                      <a:noFill/>
+                    </a:lnT>
+                    <a:lnB>
+                      <a:noFill/>
+                    </a:lnB>
+                  </a:tcPr>
+                </a:tc>
+                <a:tc>
+                  <a:txBody>
+                    <a:bodyPr/>
+                    <a:lstStyle/>
+                    <a:p>
+                      <a:r>
+                        <a:rPr lang="de-DE" dirty="0"/>
+                        <a:t>Linux </a:t>
+                      </a:r>
+                    </a:p>
+                  </a:txBody>
+                  <a:tcPr anchor="ctr">
+                    <a:lnL>
+                      <a:noFill/>
+                    </a:lnL>
+                    <a:lnR>
+                      <a:noFill/>
+                    </a:lnR>
+                    <a:lnT>
+                      <a:noFill/>
+                    </a:lnT>
+                    <a:lnB>
+                      <a:noFill/>
+                    </a:lnB>
+                  </a:tcPr>
+                </a:tc>
+                <a:extLst>
+                  <a:ext uri="{0D108BD9-81ED-4DB2-BD59-A6C34878D82A}">
+                    <a16:rowId xmlns:a16="http://schemas.microsoft.com/office/drawing/2014/main" val="1164888835"/>
+                  </a:ext>
+                </a:extLst>
+              </a:tr>
+              <a:tr h="0">
+                <a:tc>
+                  <a:txBody>
+                    <a:bodyPr/>
+                    <a:lstStyle/>
+                    <a:p>
+                      <a:r>
+                        <a:rPr lang="de-DE" dirty="0"/>
+                        <a:t>Webserver Port 80</a:t>
+                      </a:r>
+                    </a:p>
+                  </a:txBody>
+                  <a:tcPr anchor="ctr">
+                    <a:lnL>
+                      <a:noFill/>
+                    </a:lnL>
+                    <a:lnR>
+                      <a:noFill/>
+                    </a:lnR>
+                    <a:lnT>
+                      <a:noFill/>
+                    </a:lnT>
+                    <a:lnB>
+                      <a:noFill/>
+                    </a:lnB>
+                  </a:tcPr>
+                </a:tc>
+                <a:tc>
+                  <a:txBody>
+                    <a:bodyPr/>
+                    <a:lstStyle/>
+                    <a:p>
+                      <a:r>
+                        <a:rPr lang="de-DE" dirty="0"/>
+                        <a:t>Apache2</a:t>
+                      </a:r>
+                    </a:p>
+                  </a:txBody>
+                  <a:tcPr anchor="ctr">
+                    <a:lnL>
+                      <a:noFill/>
+                    </a:lnL>
+                    <a:lnR>
+                      <a:noFill/>
+                    </a:lnR>
+                    <a:lnT>
+                      <a:noFill/>
+                    </a:lnT>
+                    <a:lnB>
+                      <a:noFill/>
+                    </a:lnB>
+                  </a:tcPr>
+                </a:tc>
+                <a:extLst>
+                  <a:ext uri="{0D108BD9-81ED-4DB2-BD59-A6C34878D82A}">
+                    <a16:rowId xmlns:a16="http://schemas.microsoft.com/office/drawing/2014/main" val="3632146496"/>
+                  </a:ext>
+                </a:extLst>
+              </a:tr>
+              <a:tr h="0">
+                <a:tc>
+                  <a:txBody>
+                    <a:bodyPr/>
+                    <a:lstStyle/>
+                    <a:p>
+                      <a:r>
+                        <a:rPr lang="de-DE" dirty="0"/>
+                        <a:t>Datenbank </a:t>
+                      </a:r>
+                    </a:p>
+                  </a:txBody>
+                  <a:tcPr anchor="ctr">
+                    <a:lnL>
+                      <a:noFill/>
+                    </a:lnL>
+                    <a:lnR>
+                      <a:noFill/>
+                    </a:lnR>
+                    <a:lnT>
+                      <a:noFill/>
+                    </a:lnT>
+                    <a:lnB>
+                      <a:noFill/>
+                    </a:lnB>
+                  </a:tcPr>
+                </a:tc>
+                <a:tc>
+                  <a:txBody>
+                    <a:bodyPr/>
+                    <a:lstStyle/>
+                    <a:p>
+                      <a:r>
+                        <a:rPr lang="de-DE" dirty="0"/>
+                        <a:t>MySQL </a:t>
+                      </a:r>
+                    </a:p>
+                  </a:txBody>
+                  <a:tcPr anchor="ctr">
+                    <a:lnL>
+                      <a:noFill/>
+                    </a:lnL>
+                    <a:lnR>
+                      <a:noFill/>
+                    </a:lnR>
+                    <a:lnT>
+                      <a:noFill/>
+                    </a:lnT>
+                    <a:lnB>
+                      <a:noFill/>
+                    </a:lnB>
+                  </a:tcPr>
+                </a:tc>
+                <a:extLst>
+                  <a:ext uri="{0D108BD9-81ED-4DB2-BD59-A6C34878D82A}">
+                    <a16:rowId xmlns:a16="http://schemas.microsoft.com/office/drawing/2014/main" val="686356194"/>
+                  </a:ext>
+                </a:extLst>
+              </a:tr>
+              <a:tr h="0">
+                <a:tc>
+                  <a:txBody>
+                    <a:bodyPr/>
+                    <a:lstStyle/>
+                    <a:p>
+                      <a:r>
+                        <a:rPr lang="de-DE" dirty="0"/>
+                        <a:t>Programmiersprache </a:t>
+                      </a:r>
+                    </a:p>
+                  </a:txBody>
+                  <a:tcPr anchor="ctr">
+                    <a:lnL>
+                      <a:noFill/>
+                    </a:lnL>
+                    <a:lnR>
+                      <a:noFill/>
+                    </a:lnR>
+                    <a:lnT>
+                      <a:noFill/>
+                    </a:lnT>
+                    <a:lnB>
+                      <a:noFill/>
+                    </a:lnB>
+                  </a:tcPr>
+                </a:tc>
+                <a:tc>
+                  <a:txBody>
+                    <a:bodyPr/>
+                    <a:lstStyle/>
+                    <a:p>
+                      <a:r>
+                        <a:rPr lang="de-DE" dirty="0"/>
+                        <a:t>PHP</a:t>
+                      </a:r>
+                    </a:p>
+                  </a:txBody>
+                  <a:tcPr anchor="ctr">
+                    <a:lnL>
+                      <a:noFill/>
+                    </a:lnL>
+                    <a:lnR>
+                      <a:noFill/>
+                    </a:lnR>
+                    <a:lnT>
+                      <a:noFill/>
+                    </a:lnT>
+                    <a:lnB>
+                      <a:noFill/>
+                    </a:lnB>
+                  </a:tcPr>
+                </a:tc>
+                <a:extLst>
+                  <a:ext uri="{0D108BD9-81ED-4DB2-BD59-A6C34878D82A}">
+                    <a16:rowId xmlns:a16="http://schemas.microsoft.com/office/drawing/2014/main" val="493418931"/>
+                  </a:ext>
+                </a:extLst>
+              </a:tr>
+              <a:tr h="0">
+                <a:tc>
+                  <a:txBody>
+                    <a:bodyPr/>
+                    <a:lstStyle/>
+                    <a:p>
+                      <a:endParaRPr lang="de-DE" dirty="0"/>
+                    </a:p>
+                  </a:txBody>
+                  <a:tcPr anchor="ctr">
+                    <a:lnL>
+                      <a:noFill/>
+                    </a:lnL>
+                    <a:lnR>
+                      <a:noFill/>
+                    </a:lnR>
+                    <a:lnT>
+                      <a:noFill/>
+                    </a:lnT>
+                    <a:lnB>
+                      <a:noFill/>
+                    </a:lnB>
+                  </a:tcPr>
+                </a:tc>
+                <a:tc>
+                  <a:txBody>
+                    <a:bodyPr/>
+                    <a:lstStyle/>
+                    <a:p>
+                      <a:endParaRPr lang="de-DE" dirty="0"/>
+                    </a:p>
+                  </a:txBody>
+                  <a:tcPr anchor="ctr">
+                    <a:lnL>
+                      <a:noFill/>
+                    </a:lnL>
+                    <a:lnR>
+                      <a:noFill/>
+                    </a:lnR>
+                    <a:lnT>
+                      <a:noFill/>
+                    </a:lnT>
+                    <a:lnB>
+                      <a:noFill/>
+                    </a:lnB>
+                  </a:tcPr>
+                </a:tc>
+                <a:extLst>
+                  <a:ext uri="{0D108BD9-81ED-4DB2-BD59-A6C34878D82A}">
+                    <a16:rowId xmlns:a16="http://schemas.microsoft.com/office/drawing/2014/main" val="457081252"/>
+                  </a:ext>
+                </a:extLst>
+              </a:tr>
+              <a:tr h="0">
+                <a:tc>
+                  <a:txBody>
+                    <a:bodyPr/>
+                    <a:lstStyle/>
+                    <a:p>
+                      <a:r>
+                        <a:rPr lang="de-DE" dirty="0"/>
+                        <a:t>Anwendung</a:t>
+                      </a:r>
+                    </a:p>
+                  </a:txBody>
+                  <a:tcPr anchor="ctr">
+                    <a:lnL>
+                      <a:noFill/>
+                    </a:lnL>
+                    <a:lnR>
+                      <a:noFill/>
+                    </a:lnR>
+                    <a:lnT>
+                      <a:noFill/>
+                    </a:lnT>
+                    <a:lnB>
+                      <a:noFill/>
+                    </a:lnB>
+                  </a:tcPr>
+                </a:tc>
+                <a:tc>
+                  <a:txBody>
+                    <a:bodyPr/>
+                    <a:lstStyle/>
+                    <a:p>
+                      <a:r>
+                        <a:rPr lang="de-DE" dirty="0"/>
+                        <a:t>PhpMyAdmin</a:t>
+                      </a:r>
+                    </a:p>
+                  </a:txBody>
+                  <a:tcPr anchor="ctr">
+                    <a:lnL>
+                      <a:noFill/>
+                    </a:lnL>
+                    <a:lnR>
+                      <a:noFill/>
+                    </a:lnR>
+                    <a:lnT>
+                      <a:noFill/>
+                    </a:lnT>
+                    <a:lnB>
+                      <a:noFill/>
+                    </a:lnB>
+                  </a:tcPr>
+                </a:tc>
+                <a:extLst>
+                  <a:ext uri="{0D108BD9-81ED-4DB2-BD59-A6C34878D82A}">
+                    <a16:rowId xmlns:a16="http://schemas.microsoft.com/office/drawing/2014/main" val="3049598822"/>
+                  </a:ext>
+                </a:extLst>
+              </a:tr>
+              <a:tr h="0">
+                <a:tc>
+                  <a:txBody>
+                    <a:bodyPr/>
+                    <a:lstStyle/>
+                    <a:p>
+                      <a:endParaRPr lang="de-DE" dirty="0"/>
+                    </a:p>
+                  </a:txBody>
+                  <a:tcPr anchor="ctr">
+                    <a:lnL>
+                      <a:noFill/>
+                    </a:lnL>
+                    <a:lnR>
+                      <a:noFill/>
+                    </a:lnR>
+                    <a:lnT>
+                      <a:noFill/>
+                    </a:lnT>
+                    <a:lnB>
+                      <a:noFill/>
+                    </a:lnB>
+                  </a:tcPr>
+                </a:tc>
+                <a:tc>
+                  <a:txBody>
+                    <a:bodyPr/>
+                    <a:lstStyle/>
+                    <a:p>
+                      <a:endParaRPr lang="de-DE" dirty="0"/>
+                    </a:p>
+                  </a:txBody>
+                  <a:tcPr anchor="ctr">
+                    <a:lnL>
+                      <a:noFill/>
+                    </a:lnL>
+                    <a:lnR>
+                      <a:noFill/>
+                    </a:lnR>
+                    <a:lnT>
+                      <a:noFill/>
+                    </a:lnT>
+                    <a:lnB>
+                      <a:noFill/>
+                    </a:lnB>
+                  </a:tcPr>
+                </a:tc>
+                <a:extLst>
+                  <a:ext uri="{0D108BD9-81ED-4DB2-BD59-A6C34878D82A}">
+                    <a16:rowId xmlns:a16="http://schemas.microsoft.com/office/drawing/2014/main" val="4084193877"/>
+                  </a:ext>
+                </a:extLst>
+              </a:tr>
+              <a:tr h="0">
+                <a:tc>
+                  <a:txBody>
+                    <a:bodyPr/>
+                    <a:lstStyle/>
+                    <a:p>
+                      <a:r>
+                        <a:rPr lang="de-DE" dirty="0"/>
+                        <a:t>Proxy Port 8080 → 80</a:t>
+                      </a:r>
+                    </a:p>
+                  </a:txBody>
+                  <a:tcPr anchor="ctr">
+                    <a:lnL>
+                      <a:noFill/>
+                    </a:lnL>
+                    <a:lnR>
+                      <a:noFill/>
+                    </a:lnR>
+                    <a:lnT>
+                      <a:noFill/>
+                    </a:lnT>
+                    <a:lnB>
+                      <a:noFill/>
+                    </a:lnB>
+                  </a:tcPr>
+                </a:tc>
+                <a:tc>
+                  <a:txBody>
+                    <a:bodyPr/>
+                    <a:lstStyle/>
+                    <a:p>
+                      <a:r>
+                        <a:rPr lang="de-DE" dirty="0" err="1"/>
+                        <a:t>Ngnix</a:t>
+                      </a:r>
+                      <a:endParaRPr lang="de-DE" dirty="0"/>
+                    </a:p>
+                  </a:txBody>
+                  <a:tcPr anchor="ctr">
+                    <a:lnL>
+                      <a:noFill/>
+                    </a:lnL>
+                    <a:lnR>
+                      <a:noFill/>
+                    </a:lnR>
+                    <a:lnT>
+                      <a:noFill/>
+                    </a:lnT>
+                    <a:lnB>
+                      <a:noFill/>
+                    </a:lnB>
+                  </a:tcPr>
+                </a:tc>
+                <a:extLst>
+                  <a:ext uri="{0D108BD9-81ED-4DB2-BD59-A6C34878D82A}">
+                    <a16:rowId xmlns:a16="http://schemas.microsoft.com/office/drawing/2014/main" val="2773851871"/>
+                  </a:ext>
+                </a:extLst>
+              </a:tr>
+            </a:tbl>
+          </a:graphicData>
+        </a:graphic>
+      </p:graphicFrame>
+    </p:spTree>
+    <p:extLst>
+      <p:ext uri="{BB962C8B-B14F-4D97-AF65-F5344CB8AC3E}">
+        <p14:creationId xmlns:p14="http://schemas.microsoft.com/office/powerpoint/2010/main" val="2643841973"/>
+      </p:ext>
+    </p:extLst>
+  </p:cSld>
+  <p:clrMapOvr>
+    <a:masterClrMapping/>
+  </p:clrMapOvr>
+</p:sld>
+</file>
+
+<file path=ppt/slides/slide7.xml><?xml version="1.0" encoding="utf-8"?>
+<p:sld xmlns:a="http://schemas.openxmlformats.org/drawingml/2006/main" xmlns:r="http://schemas.openxmlformats.org/officeDocument/2006/relationships" xmlns:p="http://schemas.openxmlformats.org/presentationml/2006/main">
+  <p:cSld>
+    <p:spTree>
+      <p:nvGrpSpPr>
+        <p:cNvPr id="1" name=""/>
+        <p:cNvGrpSpPr/>
+        <p:nvPr/>
+      </p:nvGrpSpPr>
+      <p:grpSpPr>
+        <a:xfrm>
+          <a:off x="0" y="0"/>
+          <a:ext cx="0" cy="0"/>
+          <a:chOff x="0" y="0"/>
+          <a:chExt cx="0" cy="0"/>
+        </a:xfrm>
+      </p:grpSpPr>
+      <p:sp>
+        <p:nvSpPr>
+          <p:cNvPr id="4" name="Titel 3">
+            <a:extLst>
+              <a:ext uri="{FF2B5EF4-FFF2-40B4-BE49-F238E27FC236}">
+                <a16:creationId xmlns:a16="http://schemas.microsoft.com/office/drawing/2014/main" id="{59827797-EA2F-4671-AA72-B76A0788D28F}"/>
+              </a:ext>
+            </a:extLst>
+          </p:cNvPr>
+          <p:cNvSpPr>
+            <a:spLocks noGrp="1"/>
+          </p:cNvSpPr>
+          <p:nvPr>
+            <p:ph type="title"/>
+          </p:nvPr>
+        </p:nvSpPr>
+        <p:spPr/>
+        <p:txBody>
+          <a:bodyPr>
+            <a:normAutofit/>
+          </a:bodyPr>
+          <a:lstStyle/>
+          <a:p>
+            <a:r>
+              <a:rPr lang="de-DE" dirty="0"/>
+              <a:t>Tag 2</a:t>
+            </a:r>
+          </a:p>
+        </p:txBody>
+      </p:sp>
+      <p:sp>
+        <p:nvSpPr>
+          <p:cNvPr id="5" name="Textplatzhalter 4">
+            <a:extLst>
+              <a:ext uri="{FF2B5EF4-FFF2-40B4-BE49-F238E27FC236}">
+                <a16:creationId xmlns:a16="http://schemas.microsoft.com/office/drawing/2014/main" id="{D55F7649-281D-4D04-84B2-D5F355801783}"/>
+              </a:ext>
+            </a:extLst>
+          </p:cNvPr>
+          <p:cNvSpPr>
+            <a:spLocks noGrp="1"/>
+          </p:cNvSpPr>
+          <p:nvPr>
+            <p:ph type="body" idx="1"/>
+          </p:nvPr>
+        </p:nvSpPr>
+        <p:spPr/>
+        <p:txBody>
+          <a:bodyPr/>
+          <a:lstStyle/>
+          <a:p>
+            <a:r>
+              <a:rPr lang="de-DE" dirty="0" err="1"/>
+              <a:t>Git</a:t>
+            </a:r>
+            <a:r>
+              <a:rPr lang="de-DE" dirty="0"/>
+              <a:t> und Bash-Skripte</a:t>
+            </a:r>
+          </a:p>
+        </p:txBody>
+      </p:sp>
+    </p:spTree>
+    <p:extLst>
+      <p:ext uri="{BB962C8B-B14F-4D97-AF65-F5344CB8AC3E}">
+        <p14:creationId xmlns:p14="http://schemas.microsoft.com/office/powerpoint/2010/main" val="3576511108"/>
+      </p:ext>
+    </p:extLst>
+  </p:cSld>
+  <p:clrMapOvr>
+    <a:masterClrMapping/>
+  </p:clrMapOvr>
+</p:sld>
+</file>
+
+<file path=ppt/slides/slide8.xml><?xml version="1.0" encoding="utf-8"?>
+<p:sld xmlns:a="http://schemas.openxmlformats.org/drawingml/2006/main" xmlns:r="http://schemas.openxmlformats.org/officeDocument/2006/relationships" xmlns:p="http://schemas.openxmlformats.org/presentationml/2006/main">
+  <p:cSld>
+    <p:spTree>
+      <p:nvGrpSpPr>
+        <p:cNvPr id="1" name=""/>
+        <p:cNvGrpSpPr/>
+        <p:nvPr/>
+      </p:nvGrpSpPr>
+      <p:grpSpPr>
+        <a:xfrm>
+          <a:off x="0" y="0"/>
+          <a:ext cx="0" cy="0"/>
+          <a:chOff x="0" y="0"/>
+          <a:chExt cx="0" cy="0"/>
+        </a:xfrm>
+      </p:grpSpPr>
+      <p:sp>
+        <p:nvSpPr>
+          <p:cNvPr id="4" name="Titel 3">
+            <a:extLst>
+              <a:ext uri="{FF2B5EF4-FFF2-40B4-BE49-F238E27FC236}">
+                <a16:creationId xmlns:a16="http://schemas.microsoft.com/office/drawing/2014/main" id="{59827797-EA2F-4671-AA72-B76A0788D28F}"/>
+              </a:ext>
+            </a:extLst>
+          </p:cNvPr>
+          <p:cNvSpPr>
+            <a:spLocks noGrp="1"/>
+          </p:cNvSpPr>
+          <p:nvPr>
+            <p:ph type="title"/>
+          </p:nvPr>
+        </p:nvSpPr>
+        <p:spPr/>
+        <p:txBody>
+          <a:bodyPr>
+            <a:normAutofit/>
+          </a:bodyPr>
+          <a:lstStyle/>
+          <a:p>
+            <a:br>
+              <a:rPr lang="de-DE" dirty="0"/>
+            </a:br>
+            <a:r>
+              <a:rPr lang="de-DE" dirty="0"/>
+              <a:t>Tag 3</a:t>
+            </a:r>
+          </a:p>
+        </p:txBody>
+      </p:sp>
+      <p:sp>
+        <p:nvSpPr>
+          <p:cNvPr id="5" name="Textplatzhalter 4">
+            <a:extLst>
+              <a:ext uri="{FF2B5EF4-FFF2-40B4-BE49-F238E27FC236}">
+                <a16:creationId xmlns:a16="http://schemas.microsoft.com/office/drawing/2014/main" id="{D55F7649-281D-4D04-84B2-D5F355801783}"/>
+              </a:ext>
+            </a:extLst>
+          </p:cNvPr>
+          <p:cNvSpPr>
+            <a:spLocks noGrp="1"/>
+          </p:cNvSpPr>
+          <p:nvPr>
+            <p:ph type="body" idx="1"/>
+          </p:nvPr>
+        </p:nvSpPr>
+        <p:spPr/>
+        <p:txBody>
+          <a:bodyPr/>
+          <a:lstStyle/>
+          <a:p>
+            <a:r>
+              <a:rPr lang="de-DE" dirty="0" err="1"/>
+              <a:t>Ansible</a:t>
+            </a:r>
+            <a:r>
+              <a:rPr lang="de-DE" dirty="0"/>
+              <a:t> Part 1</a:t>
+            </a:r>
+          </a:p>
+        </p:txBody>
+      </p:sp>
+    </p:spTree>
+    <p:extLst>
+      <p:ext uri="{BB962C8B-B14F-4D97-AF65-F5344CB8AC3E}">
+        <p14:creationId xmlns:p14="http://schemas.microsoft.com/office/powerpoint/2010/main" val="1926612627"/>
+      </p:ext>
+    </p:extLst>
+  </p:cSld>
+  <p:clrMapOvr>
+    <a:masterClrMapping/>
+  </p:clrMapOvr>
+</p:sld>
+</file>
+
+<file path=ppt/slides/slide9.xml><?xml version="1.0" encoding="utf-8"?>
+<p:sld xmlns:a="http://schemas.openxmlformats.org/drawingml/2006/main" xmlns:r="http://schemas.openxmlformats.org/officeDocument/2006/relationships" xmlns:p="http://schemas.openxmlformats.org/presentationml/2006/main">
+  <p:cSld>
+    <p:spTree>
+      <p:nvGrpSpPr>
+        <p:cNvPr id="1" name=""/>
+        <p:cNvGrpSpPr/>
+        <p:nvPr/>
+      </p:nvGrpSpPr>
+      <p:grpSpPr>
+        <a:xfrm>
+          <a:off x="0" y="0"/>
+          <a:ext cx="0" cy="0"/>
+          <a:chOff x="0" y="0"/>
+          <a:chExt cx="0" cy="0"/>
+        </a:xfrm>
+      </p:grpSpPr>
+      <p:sp>
+        <p:nvSpPr>
+          <p:cNvPr id="4" name="Titel 3">
+            <a:extLst>
+              <a:ext uri="{FF2B5EF4-FFF2-40B4-BE49-F238E27FC236}">
+                <a16:creationId xmlns:a16="http://schemas.microsoft.com/office/drawing/2014/main" id="{59827797-EA2F-4671-AA72-B76A0788D28F}"/>
+              </a:ext>
+            </a:extLst>
+          </p:cNvPr>
+          <p:cNvSpPr>
+            <a:spLocks noGrp="1"/>
+          </p:cNvSpPr>
+          <p:nvPr>
+            <p:ph type="title"/>
+          </p:nvPr>
+        </p:nvSpPr>
+        <p:spPr/>
+        <p:txBody>
+          <a:bodyPr/>
+          <a:lstStyle/>
+          <a:p>
+            <a:br>
+              <a:rPr lang="de-DE" dirty="0"/>
+            </a:br>
+            <a:r>
+              <a:rPr lang="de-DE" dirty="0"/>
+              <a:t>Tag 4</a:t>
+            </a:r>
+          </a:p>
+        </p:txBody>
+      </p:sp>
+      <p:sp>
+        <p:nvSpPr>
+          <p:cNvPr id="5" name="Textplatzhalter 4">
+            <a:extLst>
+              <a:ext uri="{FF2B5EF4-FFF2-40B4-BE49-F238E27FC236}">
+                <a16:creationId xmlns:a16="http://schemas.microsoft.com/office/drawing/2014/main" id="{D55F7649-281D-4D04-84B2-D5F355801783}"/>
+              </a:ext>
+            </a:extLst>
+          </p:cNvPr>
+          <p:cNvSpPr>
+            <a:spLocks noGrp="1"/>
+          </p:cNvSpPr>
+          <p:nvPr>
+            <p:ph type="body" idx="1"/>
+          </p:nvPr>
+        </p:nvSpPr>
+        <p:spPr/>
+        <p:txBody>
+          <a:bodyPr/>
+          <a:lstStyle/>
+          <a:p>
+            <a:r>
+              <a:rPr lang="de-DE" dirty="0" err="1"/>
+              <a:t>Ansible</a:t>
+            </a:r>
+            <a:r>
+              <a:rPr lang="de-DE" dirty="0"/>
+              <a:t> Part 2</a:t>
+            </a:r>
+          </a:p>
+        </p:txBody>
+      </p:sp>
+    </p:spTree>
+    <p:extLst>
+      <p:ext uri="{BB962C8B-B14F-4D97-AF65-F5344CB8AC3E}">
+        <p14:creationId xmlns:p14="http://schemas.microsoft.com/office/powerpoint/2010/main" val="4018322704"/>
       </p:ext>
     </p:extLst>
   </p:cSld>

--- a/Linux 1x1.pptx
+++ b/Linux 1x1.pptx
@@ -1104,7 +1104,7 @@
           <a:lstStyle/>
           <a:p>
             <a:pPr rtl="0"/>
-            <a:endParaRPr lang="en-US"/>
+            <a:endParaRPr lang="en-US" dirty="0"/>
           </a:p>
         </p:txBody>
       </p:sp>
@@ -1128,7 +1128,7 @@
               <a:rPr lang="en-US" smtClean="0"/>
               <a:t>‹Nr.›</a:t>
             </a:fld>
-            <a:endParaRPr lang="en-US"/>
+            <a:endParaRPr lang="en-US" dirty="0"/>
           </a:p>
         </p:txBody>
       </p:sp>
@@ -1292,7 +1292,7 @@
           <a:lstStyle/>
           <a:p>
             <a:pPr rtl="0"/>
-            <a:endParaRPr lang="en-US"/>
+            <a:endParaRPr lang="en-US" dirty="0"/>
           </a:p>
         </p:txBody>
       </p:sp>
@@ -1316,7 +1316,7 @@
               <a:rPr lang="en-US" smtClean="0"/>
               <a:t>‹Nr.›</a:t>
             </a:fld>
-            <a:endParaRPr lang="en-US"/>
+            <a:endParaRPr lang="en-US" dirty="0"/>
           </a:p>
         </p:txBody>
       </p:sp>
@@ -1917,7 +1917,7 @@
           <a:lstStyle/>
           <a:p>
             <a:pPr rtl="0"/>
-            <a:endParaRPr lang="en-US"/>
+            <a:endParaRPr lang="en-US" dirty="0"/>
           </a:p>
         </p:txBody>
       </p:sp>
@@ -1941,7 +1941,7 @@
               <a:rPr lang="en-US" smtClean="0"/>
               <a:t>‹Nr.›</a:t>
             </a:fld>
-            <a:endParaRPr lang="en-US"/>
+            <a:endParaRPr lang="en-US" dirty="0"/>
           </a:p>
         </p:txBody>
       </p:sp>
@@ -2369,7 +2369,7 @@
           <a:lstStyle/>
           <a:p>
             <a:pPr rtl="0"/>
-            <a:endParaRPr lang="en-US"/>
+            <a:endParaRPr lang="en-US" dirty="0"/>
           </a:p>
         </p:txBody>
       </p:sp>
@@ -2495,7 +2495,7 @@
           <a:lstStyle/>
           <a:p>
             <a:pPr rtl="0"/>
-            <a:endParaRPr lang="en-US"/>
+            <a:endParaRPr lang="en-US" dirty="0"/>
           </a:p>
         </p:txBody>
       </p:sp>
@@ -2519,7 +2519,7 @@
               <a:rPr lang="en-US" smtClean="0"/>
               <a:t>‹Nr.›</a:t>
             </a:fld>
-            <a:endParaRPr lang="en-US"/>
+            <a:endParaRPr lang="en-US" dirty="0"/>
           </a:p>
         </p:txBody>
       </p:sp>
@@ -2597,7 +2597,7 @@
           <a:lstStyle/>
           <a:p>
             <a:pPr rtl="0"/>
-            <a:endParaRPr lang="en-US"/>
+            <a:endParaRPr lang="en-US" dirty="0"/>
           </a:p>
         </p:txBody>
       </p:sp>
@@ -2621,7 +2621,7 @@
               <a:rPr lang="en-US" smtClean="0"/>
               <a:t>‹Nr.›</a:t>
             </a:fld>
-            <a:endParaRPr lang="en-US"/>
+            <a:endParaRPr lang="en-US" dirty="0"/>
           </a:p>
         </p:txBody>
       </p:sp>
@@ -2889,7 +2889,7 @@
           <a:lstStyle/>
           <a:p>
             <a:pPr rtl="0"/>
-            <a:endParaRPr lang="en-US"/>
+            <a:endParaRPr lang="en-US" dirty="0"/>
           </a:p>
         </p:txBody>
       </p:sp>
@@ -2913,7 +2913,7 @@
               <a:rPr lang="en-US" smtClean="0"/>
               <a:t>‹Nr.›</a:t>
             </a:fld>
-            <a:endParaRPr lang="en-US"/>
+            <a:endParaRPr lang="en-US" dirty="0"/>
           </a:p>
         </p:txBody>
       </p:sp>
@@ -3057,10 +3057,10 @@
           <a:p>
             <a:pPr rtl="0"/>
             <a:r>
-              <a:rPr lang="de-DE"/>
+              <a:rPr lang="de-DE" dirty="0"/>
               <a:t>Bild durch Klicken auf Symbol hinzufügen</a:t>
             </a:r>
-            <a:endParaRPr lang="en-US"/>
+            <a:endParaRPr lang="en-US" dirty="0"/>
           </a:p>
         </p:txBody>
       </p:sp>
@@ -3176,7 +3176,7 @@
           <a:lstStyle/>
           <a:p>
             <a:pPr rtl="0"/>
-            <a:endParaRPr lang="en-US"/>
+            <a:endParaRPr lang="en-US" dirty="0"/>
           </a:p>
         </p:txBody>
       </p:sp>
@@ -3200,7 +3200,7 @@
               <a:rPr lang="en-US" smtClean="0"/>
               <a:t>‹Nr.›</a:t>
             </a:fld>
-            <a:endParaRPr lang="en-US"/>
+            <a:endParaRPr lang="en-US" dirty="0"/>
           </a:p>
         </p:txBody>
       </p:sp>
@@ -3952,10 +3952,9 @@
           <a:lstStyle/>
           <a:p>
             <a:r>
-              <a:rPr lang="de-DE" dirty="0" err="1"/>
+              <a:rPr lang="de-DE" dirty="0"/>
               <a:t>Vagrant</a:t>
             </a:r>
-            <a:endParaRPr lang="de-DE" dirty="0"/>
           </a:p>
         </p:txBody>
       </p:sp>
@@ -3988,30 +3987,13 @@
           <a:p>
             <a:r>
               <a:rPr lang="de-DE" dirty="0"/>
-              <a:t>Konfiguriert im </a:t>
-            </a:r>
-            <a:r>
-              <a:rPr lang="de-DE" dirty="0" err="1"/>
-              <a:t>Vargantfile</a:t>
-            </a:r>
-            <a:endParaRPr lang="de-DE" dirty="0"/>
-          </a:p>
-          <a:p>
-            <a:r>
-              <a:rPr lang="de-DE" dirty="0" err="1"/>
-              <a:t>Vagrant</a:t>
-            </a:r>
+              <a:t>Konfiguriert im Vargantfile</a:t>
+            </a:r>
+          </a:p>
+          <a:p>
             <a:r>
               <a:rPr lang="de-DE" dirty="0"/>
-              <a:t> </a:t>
-            </a:r>
-            <a:r>
-              <a:rPr lang="de-DE" dirty="0" err="1"/>
-              <a:t>up</a:t>
-            </a:r>
-            <a:r>
-              <a:rPr lang="de-DE" dirty="0"/>
-              <a:t> / halt</a:t>
+              <a:t>Vagrant up / halt</a:t>
             </a:r>
           </a:p>
           <a:p>
@@ -4071,18 +4053,9 @@
           <a:lstStyle/>
           <a:p>
             <a:r>
-              <a:rPr lang="de-DE" dirty="0" err="1"/>
-              <a:t>Ansible</a:t>
-            </a:r>
-            <a:r>
               <a:rPr lang="de-DE" dirty="0"/>
-              <a:t> </a:t>
-            </a:r>
-            <a:r>
-              <a:rPr lang="de-DE" dirty="0" err="1"/>
-              <a:t>Inventory</a:t>
-            </a:r>
-            <a:endParaRPr lang="de-DE" dirty="0"/>
+              <a:t>Ansible Inventory</a:t>
+            </a:r>
           </a:p>
         </p:txBody>
       </p:sp>
@@ -4224,12 +4197,8 @@
           <a:lstStyle/>
           <a:p>
             <a:r>
-              <a:rPr lang="de-DE" dirty="0" err="1"/>
-              <a:t>Ansible</a:t>
-            </a:r>
-            <a:r>
               <a:rPr lang="de-DE" dirty="0"/>
-              <a:t> Part 2</a:t>
+              <a:t>Ansible Part 2</a:t>
             </a:r>
           </a:p>
         </p:txBody>
@@ -4404,57 +4373,25 @@
           <a:p>
             <a:r>
               <a:rPr lang="de-DE" dirty="0"/>
-              <a:t>Tag 1:	Installation und </a:t>
-            </a:r>
-            <a:r>
-              <a:rPr lang="de-DE" dirty="0" err="1"/>
-              <a:t>Baisics</a:t>
-            </a:r>
+              <a:t>Tag 1:	Installation und Baisics </a:t>
+            </a:r>
+          </a:p>
+          <a:p>
             <a:r>
               <a:rPr lang="de-DE" dirty="0"/>
-              <a:t> </a:t>
+              <a:t>Tag 2:	Git und Bash-Skripte</a:t>
             </a:r>
           </a:p>
           <a:p>
             <a:r>
               <a:rPr lang="de-DE" dirty="0"/>
-              <a:t>Tag 2:	</a:t>
-            </a:r>
-            <a:r>
-              <a:rPr lang="de-DE" dirty="0" err="1"/>
-              <a:t>Git</a:t>
-            </a:r>
+              <a:t>Tag 3:	Ansible Part 1</a:t>
+            </a:r>
+          </a:p>
+          <a:p>
             <a:r>
               <a:rPr lang="de-DE" dirty="0"/>
-              <a:t> und Bash-Skripte</a:t>
-            </a:r>
-          </a:p>
-          <a:p>
-            <a:r>
-              <a:rPr lang="de-DE" dirty="0"/>
-              <a:t>Tag 3:	</a:t>
-            </a:r>
-            <a:r>
-              <a:rPr lang="de-DE" dirty="0" err="1"/>
-              <a:t>Ansible</a:t>
-            </a:r>
-            <a:r>
-              <a:rPr lang="de-DE" dirty="0"/>
-              <a:t> Part 1</a:t>
-            </a:r>
-          </a:p>
-          <a:p>
-            <a:r>
-              <a:rPr lang="de-DE" dirty="0"/>
-              <a:t>Tag 4:	</a:t>
-            </a:r>
-            <a:r>
-              <a:rPr lang="de-DE" dirty="0" err="1"/>
-              <a:t>Ansible</a:t>
-            </a:r>
-            <a:r>
-              <a:rPr lang="de-DE" dirty="0"/>
-              <a:t> Part 2</a:t>
+              <a:t>Tag 4:	Ansible Part 2</a:t>
             </a:r>
           </a:p>
           <a:p>
@@ -4740,12 +4677,8 @@
               <a:buNone/>
             </a:pPr>
             <a:r>
-              <a:rPr lang="de-DE" dirty="0" err="1"/>
-              <a:t>apt</a:t>
-            </a:r>
-            <a:r>
               <a:rPr lang="de-DE" dirty="0"/>
-              <a:t>		-	Verwaltung von Installierter Software	</a:t>
+              <a:t>apt		-	Verwaltung von Installierter Software	</a:t>
             </a:r>
           </a:p>
           <a:p>
@@ -4753,12 +4686,8 @@
               <a:buNone/>
             </a:pPr>
             <a:r>
-              <a:rPr lang="de-DE" dirty="0" err="1"/>
-              <a:t>cat</a:t>
-            </a:r>
-            <a:r>
               <a:rPr lang="de-DE" dirty="0"/>
-              <a:t>		-	Inhalt einer Datei Ausgeben</a:t>
+              <a:t>cat		-	Inhalt einer Datei Ausgeben</a:t>
             </a:r>
           </a:p>
           <a:p>
@@ -4775,12 +4704,8 @@
               <a:buNone/>
             </a:pPr>
             <a:r>
-              <a:rPr lang="de-DE" dirty="0" err="1"/>
-              <a:t>chmod</a:t>
-            </a:r>
-            <a:r>
               <a:rPr lang="de-DE" dirty="0"/>
-              <a:t>		-	Tool zum verwalten von Datei Berechtigungen (Zugriff)</a:t>
+              <a:t>chmod		-	Tool zum verwalten von Datei Berechtigungen (Zugriff)</a:t>
             </a:r>
           </a:p>
           <a:p>
@@ -4788,12 +4713,8 @@
               <a:buNone/>
             </a:pPr>
             <a:r>
-              <a:rPr lang="de-DE" dirty="0" err="1"/>
-              <a:t>chown</a:t>
-            </a:r>
-            <a:r>
               <a:rPr lang="de-DE" dirty="0"/>
-              <a:t>		-	Tool zum verwalten von Datei Berechtigungen (Nutzer)</a:t>
+              <a:t>chown		-	Tool zum verwalten von Datei Berechtigungen (Nutzer)</a:t>
             </a:r>
           </a:p>
           <a:p>
@@ -4801,12 +4722,8 @@
               <a:buNone/>
             </a:pPr>
             <a:r>
-              <a:rPr lang="de-DE" dirty="0" err="1"/>
-              <a:t>cp</a:t>
-            </a:r>
-            <a:r>
               <a:rPr lang="de-DE" dirty="0"/>
-              <a:t>		-	Dateien kopieren</a:t>
+              <a:t>cp		-	Dateien kopieren</a:t>
             </a:r>
           </a:p>
           <a:p>
@@ -4815,15 +4732,7 @@
             </a:pPr>
             <a:r>
               <a:rPr lang="de-DE" dirty="0"/>
-              <a:t>echo		-	Schreibt etwas in die </a:t>
-            </a:r>
-            <a:r>
-              <a:rPr lang="de-DE" dirty="0" err="1"/>
-              <a:t>Komandozeile</a:t>
-            </a:r>
-            <a:r>
-              <a:rPr lang="de-DE" dirty="0"/>
-              <a:t> (Print)</a:t>
+              <a:t>echo		-	Schreibt etwas in die Komandozeile (Print)</a:t>
             </a:r>
           </a:p>
           <a:p>
@@ -4831,12 +4740,8 @@
               <a:buNone/>
             </a:pPr>
             <a:r>
-              <a:rPr lang="de-DE" dirty="0" err="1"/>
-              <a:t>ls</a:t>
-            </a:r>
-            <a:r>
               <a:rPr lang="de-DE" dirty="0"/>
-              <a:t>		-	Datei Explorer</a:t>
+              <a:t>ls		-	Datei Explorer</a:t>
             </a:r>
           </a:p>
           <a:p>
@@ -4862,12 +4767,8 @@
               <a:buNone/>
             </a:pPr>
             <a:r>
-              <a:rPr lang="de-DE" dirty="0" err="1"/>
-              <a:t>nano</a:t>
-            </a:r>
-            <a:r>
               <a:rPr lang="de-DE" dirty="0"/>
-              <a:t>		-	Datei Editor</a:t>
+              <a:t>nano		-	Datei Editor</a:t>
             </a:r>
           </a:p>
           <a:p>
@@ -4875,12 +4776,8 @@
               <a:buNone/>
             </a:pPr>
             <a:r>
-              <a:rPr lang="de-DE" dirty="0" err="1"/>
-              <a:t>rm</a:t>
-            </a:r>
-            <a:r>
               <a:rPr lang="de-DE" dirty="0"/>
-              <a:t>		-	Dateien und Ordner löschen</a:t>
+              <a:t>rm		-	Dateien und Ordner löschen</a:t>
             </a:r>
           </a:p>
           <a:p>
@@ -4888,12 +4785,8 @@
               <a:buNone/>
             </a:pPr>
             <a:r>
-              <a:rPr lang="de-DE" dirty="0" err="1"/>
-              <a:t>sudo</a:t>
-            </a:r>
-            <a:r>
               <a:rPr lang="de-DE" dirty="0"/>
-              <a:t>		-	Befehl als root ausführen</a:t>
+              <a:t>sudo		-	Befehl als root ausführen</a:t>
             </a:r>
           </a:p>
           <a:p>
@@ -4901,12 +4794,8 @@
               <a:buNone/>
             </a:pPr>
             <a:r>
-              <a:rPr lang="de-DE" dirty="0" err="1"/>
-              <a:t>tree</a:t>
-            </a:r>
-            <a:r>
               <a:rPr lang="de-DE" dirty="0"/>
-              <a:t>		-	Ordnerstruktur anzeigen</a:t>
+              <a:t>tree		-	Ordnerstruktur anzeigen</a:t>
             </a:r>
           </a:p>
         </p:txBody>
@@ -5448,10 +5337,9 @@
                     <a:lstStyle/>
                     <a:p>
                       <a:r>
-                        <a:rPr lang="de-DE" dirty="0" err="1"/>
+                        <a:rPr lang="de-DE" dirty="0"/>
                         <a:t>Ngnix</a:t>
                       </a:r>
-                      <a:endParaRPr lang="de-DE" dirty="0"/>
                     </a:p>
                   </a:txBody>
                   <a:tcPr anchor="ctr">
@@ -5561,12 +5449,8 @@
           <a:lstStyle/>
           <a:p>
             <a:r>
-              <a:rPr lang="de-DE" dirty="0" err="1"/>
-              <a:t>Git</a:t>
-            </a:r>
-            <a:r>
               <a:rPr lang="de-DE" dirty="0"/>
-              <a:t> und Bash-Skripte</a:t>
+              <a:t>Git und Bash-Skripte</a:t>
             </a:r>
           </a:p>
         </p:txBody>
@@ -5622,7 +5506,7 @@
           <a:bodyPr/>
           <a:lstStyle/>
           <a:p>
-            <a:endParaRPr lang="de-DE"/>
+            <a:endParaRPr lang="de-DE" dirty="0"/>
           </a:p>
         </p:txBody>
       </p:sp>
@@ -5647,7 +5531,7 @@
           <a:bodyPr/>
           <a:lstStyle/>
           <a:p>
-            <a:endParaRPr lang="de-DE"/>
+            <a:endParaRPr lang="de-DE" dirty="0"/>
           </a:p>
         </p:txBody>
       </p:sp>
@@ -5672,7 +5556,7 @@
           <a:bodyPr/>
           <a:lstStyle/>
           <a:p>
-            <a:endParaRPr lang="de-DE"/>
+            <a:endParaRPr lang="de-DE" dirty="0"/>
           </a:p>
         </p:txBody>
       </p:sp>
@@ -5761,12 +5645,8 @@
           <a:lstStyle/>
           <a:p>
             <a:r>
-              <a:rPr lang="de-DE" dirty="0" err="1"/>
-              <a:t>Ansible</a:t>
-            </a:r>
-            <a:r>
               <a:rPr lang="de-DE" dirty="0"/>
-              <a:t> Part 1</a:t>
+              <a:t>Ansible Part 1</a:t>
             </a:r>
           </a:p>
         </p:txBody>

--- a/Linux 1x1.pptx
+++ b/Linux 1x1.pptx
@@ -5487,10 +5487,10 @@
       </p:grpSpPr>
       <p:sp>
         <p:nvSpPr>
-          <p:cNvPr id="4" name="Titel 3">
+          <p:cNvPr id="7" name="Titel 6">
             <a:extLst>
               <a:ext uri="{FF2B5EF4-FFF2-40B4-BE49-F238E27FC236}">
-                <a16:creationId xmlns:a16="http://schemas.microsoft.com/office/drawing/2014/main" id="{4C64A8CB-932C-4272-9B98-27DC449BD934}"/>
+                <a16:creationId xmlns:a16="http://schemas.microsoft.com/office/drawing/2014/main" id="{5BE90220-4D89-4AAA-8E51-87C396933FCE}"/>
               </a:ext>
             </a:extLst>
           </p:cNvPr>
@@ -5506,16 +5506,16 @@
           <a:bodyPr/>
           <a:lstStyle/>
           <a:p>
-            <a:endParaRPr lang="de-DE" dirty="0"/>
-          </a:p>
-        </p:txBody>
-      </p:sp>
-      <p:sp>
-        <p:nvSpPr>
-          <p:cNvPr id="5" name="Inhaltsplatzhalter 4">
+            <a:endParaRPr lang="de-DE"/>
+          </a:p>
+        </p:txBody>
+      </p:sp>
+      <p:sp>
+        <p:nvSpPr>
+          <p:cNvPr id="8" name="Inhaltsplatzhalter 7">
             <a:extLst>
               <a:ext uri="{FF2B5EF4-FFF2-40B4-BE49-F238E27FC236}">
-                <a16:creationId xmlns:a16="http://schemas.microsoft.com/office/drawing/2014/main" id="{0E640E01-C4D5-4E4E-9831-D5AA3D3D49A1}"/>
+                <a16:creationId xmlns:a16="http://schemas.microsoft.com/office/drawing/2014/main" id="{5818924F-22AC-4026-9B07-A3B6B132E260}"/>
               </a:ext>
             </a:extLst>
           </p:cNvPr>
@@ -5523,7 +5523,7 @@
             <a:spLocks noGrp="1"/>
           </p:cNvSpPr>
           <p:nvPr>
-            <p:ph sz="half" idx="1"/>
+            <p:ph idx="1"/>
           </p:nvPr>
         </p:nvSpPr>
         <p:spPr/>
@@ -5531,32 +5531,7 @@
           <a:bodyPr/>
           <a:lstStyle/>
           <a:p>
-            <a:endParaRPr lang="de-DE" dirty="0"/>
-          </a:p>
-        </p:txBody>
-      </p:sp>
-      <p:sp>
-        <p:nvSpPr>
-          <p:cNvPr id="6" name="Inhaltsplatzhalter 5">
-            <a:extLst>
-              <a:ext uri="{FF2B5EF4-FFF2-40B4-BE49-F238E27FC236}">
-                <a16:creationId xmlns:a16="http://schemas.microsoft.com/office/drawing/2014/main" id="{FC9D0B8F-288A-4146-9F56-AD22E9637800}"/>
-              </a:ext>
-            </a:extLst>
-          </p:cNvPr>
-          <p:cNvSpPr>
-            <a:spLocks noGrp="1"/>
-          </p:cNvSpPr>
-          <p:nvPr>
-            <p:ph sz="half" idx="2"/>
-          </p:nvPr>
-        </p:nvSpPr>
-        <p:spPr/>
-        <p:txBody>
-          <a:bodyPr/>
-          <a:lstStyle/>
-          <a:p>
-            <a:endParaRPr lang="de-DE" dirty="0"/>
+            <a:endParaRPr lang="de-DE"/>
           </a:p>
         </p:txBody>
       </p:sp>
